--- a/slides/1_intro.pptx
+++ b/slides/1_intro.pptx
@@ -2,17 +2,17 @@
 <file path=ppt/presentation.xml><?xml version="1.0" encoding="utf-8"?>
 <p:presentation xmlns:a="http://schemas.openxmlformats.org/drawingml/2006/main" xmlns:r="http://schemas.openxmlformats.org/officeDocument/2006/relationships" xmlns:p="http://schemas.openxmlformats.org/presentationml/2006/main">
   <p:sldMasterIdLst>
-    <p:sldMasterId id="2147483648" r:id="rId5"/>
+    <p:sldMasterId id="2147483648" r:id="rId1"/>
   </p:sldMasterIdLst>
   <p:notesMasterIdLst>
     <p:notesMasterId r:id="rId7"/>
   </p:notesMasterIdLst>
   <p:sldIdLst>
-    <p:sldId id="256" r:id="rId8"/>
-    <p:sldId id="257" r:id="rId9"/>
-    <p:sldId id="258" r:id="rId10"/>
-    <p:sldId id="259" r:id="rId11"/>
-    <p:sldId id="260" r:id="rId12"/>
+    <p:sldId id="256" r:id="rId2"/>
+    <p:sldId id="257" r:id="rId3"/>
+    <p:sldId id="258" r:id="rId4"/>
+    <p:sldId id="259" r:id="rId5"/>
+    <p:sldId id="260" r:id="rId6"/>
   </p:sldIdLst>
   <p:sldSz cx="13004800" cy="9753600"/>
   <p:notesSz cx="6858000" cy="9144000"/>
@@ -32,7 +32,7 @@
       <a:buFontTx/>
       <a:buNone/>
       <a:tabLst/>
-      <a:defRPr b="0" baseline="0" cap="none" i="0" spc="0" strike="noStrike" sz="1800" u="none" kumimoji="0" normalizeH="0">
+      <a:defRPr kumimoji="0" sz="1800" b="0" i="0" u="none" strike="noStrike" cap="none" spc="0" normalizeH="0" baseline="0">
         <a:ln>
           <a:noFill/>
         </a:ln>
@@ -58,7 +58,7 @@
       <a:buFontTx/>
       <a:buNone/>
       <a:tabLst/>
-      <a:defRPr b="0" baseline="0" cap="none" i="0" spc="0" strike="noStrike" sz="3600" u="none" kumimoji="0" normalizeH="0">
+      <a:defRPr kumimoji="0" sz="3600" b="0" i="0" u="none" strike="noStrike" cap="none" spc="0" normalizeH="0" baseline="0">
         <a:ln>
           <a:noFill/>
         </a:ln>
@@ -88,7 +88,7 @@
       <a:buFontTx/>
       <a:buNone/>
       <a:tabLst/>
-      <a:defRPr b="0" baseline="0" cap="none" i="0" spc="0" strike="noStrike" sz="3600" u="none" kumimoji="0" normalizeH="0">
+      <a:defRPr kumimoji="0" sz="3600" b="0" i="0" u="none" strike="noStrike" cap="none" spc="0" normalizeH="0" baseline="0">
         <a:ln>
           <a:noFill/>
         </a:ln>
@@ -118,7 +118,7 @@
       <a:buFontTx/>
       <a:buNone/>
       <a:tabLst/>
-      <a:defRPr b="0" baseline="0" cap="none" i="0" spc="0" strike="noStrike" sz="3600" u="none" kumimoji="0" normalizeH="0">
+      <a:defRPr kumimoji="0" sz="3600" b="0" i="0" u="none" strike="noStrike" cap="none" spc="0" normalizeH="0" baseline="0">
         <a:ln>
           <a:noFill/>
         </a:ln>
@@ -148,7 +148,7 @@
       <a:buFontTx/>
       <a:buNone/>
       <a:tabLst/>
-      <a:defRPr b="0" baseline="0" cap="none" i="0" spc="0" strike="noStrike" sz="3600" u="none" kumimoji="0" normalizeH="0">
+      <a:defRPr kumimoji="0" sz="3600" b="0" i="0" u="none" strike="noStrike" cap="none" spc="0" normalizeH="0" baseline="0">
         <a:ln>
           <a:noFill/>
         </a:ln>
@@ -178,7 +178,7 @@
       <a:buFontTx/>
       <a:buNone/>
       <a:tabLst/>
-      <a:defRPr b="0" baseline="0" cap="none" i="0" spc="0" strike="noStrike" sz="3600" u="none" kumimoji="0" normalizeH="0">
+      <a:defRPr kumimoji="0" sz="3600" b="0" i="0" u="none" strike="noStrike" cap="none" spc="0" normalizeH="0" baseline="0">
         <a:ln>
           <a:noFill/>
         </a:ln>
@@ -208,7 +208,7 @@
       <a:buFontTx/>
       <a:buNone/>
       <a:tabLst/>
-      <a:defRPr b="0" baseline="0" cap="none" i="0" spc="0" strike="noStrike" sz="3600" u="none" kumimoji="0" normalizeH="0">
+      <a:defRPr kumimoji="0" sz="3600" b="0" i="0" u="none" strike="noStrike" cap="none" spc="0" normalizeH="0" baseline="0">
         <a:ln>
           <a:noFill/>
         </a:ln>
@@ -238,7 +238,7 @@
       <a:buFontTx/>
       <a:buNone/>
       <a:tabLst/>
-      <a:defRPr b="0" baseline="0" cap="none" i="0" spc="0" strike="noStrike" sz="3600" u="none" kumimoji="0" normalizeH="0">
+      <a:defRPr kumimoji="0" sz="3600" b="0" i="0" u="none" strike="noStrike" cap="none" spc="0" normalizeH="0" baseline="0">
         <a:ln>
           <a:noFill/>
         </a:ln>
@@ -268,7 +268,7 @@
       <a:buFontTx/>
       <a:buNone/>
       <a:tabLst/>
-      <a:defRPr b="0" baseline="0" cap="none" i="0" spc="0" strike="noStrike" sz="3600" u="none" kumimoji="0" normalizeH="0">
+      <a:defRPr kumimoji="0" sz="3600" b="0" i="0" u="none" strike="noStrike" cap="none" spc="0" normalizeH="0" baseline="0">
         <a:ln>
           <a:noFill/>
         </a:ln>
@@ -298,7 +298,7 @@
       <a:buFontTx/>
       <a:buNone/>
       <a:tabLst/>
-      <a:defRPr b="0" baseline="0" cap="none" i="0" spc="0" strike="noStrike" sz="3600" u="none" kumimoji="0" normalizeH="0">
+      <a:defRPr kumimoji="0" sz="3600" b="0" i="0" u="none" strike="noStrike" cap="none" spc="0" normalizeH="0" baseline="0">
         <a:ln>
           <a:noFill/>
         </a:ln>
@@ -314,16 +314,26 @@
       </a:defRPr>
     </a:lvl9pPr>
   </p:defaultTextStyle>
+  <p:extLst>
+    <p:ext uri="{EFAFB233-063F-42B5-8137-9DF3F51BA10A}">
+      <p15:sldGuideLst xmlns:p15="http://schemas.microsoft.com/office/powerpoint/2012/main"/>
+    </p:ext>
+  </p:extLst>
 </p:presentation>
 </file>
 
-<file path=ppt/commentAuthors.xml><?xml version="1.0" encoding="utf-8"?>
-<p:cmAuthorLst xmlns:a="http://schemas.openxmlformats.org/drawingml/2006/main" xmlns:r="http://schemas.openxmlformats.org/officeDocument/2006/relationships" xmlns:p="http://schemas.openxmlformats.org/presentationml/2006/main"/>
+<file path=ppt/revisionInfo.xml><?xml version="1.0" encoding="utf-8"?>
+<p1510:revInfo xmlns:a="http://schemas.openxmlformats.org/drawingml/2006/main" xmlns:r="http://schemas.openxmlformats.org/officeDocument/2006/relationships" xmlns:p1510="http://schemas.microsoft.com/office/powerpoint/2015/10/main"/>
 </file>
 
 <file path=ppt/notesMasters/notesMaster1.xml><?xml version="1.0" encoding="utf-8"?>
 <p:notesMaster xmlns:a="http://schemas.openxmlformats.org/drawingml/2006/main" xmlns:r="http://schemas.openxmlformats.org/officeDocument/2006/relationships" xmlns:p="http://schemas.openxmlformats.org/presentationml/2006/main">
   <p:cSld>
+    <p:bg>
+      <p:bgRef idx="1001">
+        <a:schemeClr val="bg1"/>
+      </p:bgRef>
+    </p:bg>
     <p:spTree>
       <p:nvGrpSpPr>
         <p:cNvPr id="1" name=""/>
@@ -341,7 +351,9 @@
       <p:sp>
         <p:nvSpPr>
           <p:cNvPr id="116" name="Shape 116"/>
-          <p:cNvSpPr/>
+          <p:cNvSpPr>
+            <a:spLocks noGrp="1" noRot="1" noChangeAspect="1"/>
+          </p:cNvSpPr>
           <p:nvPr>
             <p:ph type="sldImg"/>
           </p:nvPr>
@@ -359,14 +371,16 @@
           <a:bodyPr/>
           <a:lstStyle/>
           <a:p>
-            <a:pPr/>
+            <a:endParaRPr/>
           </a:p>
         </p:txBody>
       </p:sp>
       <p:sp>
         <p:nvSpPr>
           <p:cNvPr id="117" name="Shape 117"/>
-          <p:cNvSpPr/>
+          <p:cNvSpPr>
+            <a:spLocks noGrp="1"/>
+          </p:cNvSpPr>
           <p:nvPr>
             <p:ph type="body" sz="quarter" idx="1"/>
           </p:nvPr>
@@ -384,7 +398,7 @@
           <a:bodyPr/>
           <a:lstStyle/>
           <a:p>
-            <a:pPr/>
+            <a:endParaRPr/>
           </a:p>
         </p:txBody>
       </p:sp>
@@ -496,7 +510,7 @@
 </file>
 
 <file path=ppt/slideLayouts/slideLayout1.xml><?xml version="1.0" encoding="utf-8"?>
-<p:sldLayout xmlns:a="http://schemas.openxmlformats.org/drawingml/2006/main" xmlns:r="http://schemas.openxmlformats.org/officeDocument/2006/relationships" xmlns:p="http://schemas.openxmlformats.org/presentationml/2006/main" type="title" showMasterSp="1" showMasterPhAnim="1">
+<p:sldLayout xmlns:a="http://schemas.openxmlformats.org/drawingml/2006/main" xmlns:r="http://schemas.openxmlformats.org/officeDocument/2006/relationships" xmlns:p="http://schemas.openxmlformats.org/presentationml/2006/main" type="title">
   <p:cSld name="Title &amp; Subtitle">
     <p:spTree>
       <p:nvGrpSpPr>
@@ -515,7 +529,9 @@
       <p:sp>
         <p:nvSpPr>
           <p:cNvPr id="11" name="Title Text"/>
-          <p:cNvSpPr txBox="1"/>
+          <p:cNvSpPr txBox="1">
+            <a:spLocks noGrp="1"/>
+          </p:cNvSpPr>
           <p:nvPr>
             <p:ph type="title"/>
           </p:nvPr>
@@ -533,7 +549,6 @@
           <a:bodyPr anchor="b"/>
           <a:lstStyle/>
           <a:p>
-            <a:pPr/>
             <a:r>
               <a:t>Title Text</a:t>
             </a:r>
@@ -543,7 +558,9 @@
       <p:sp>
         <p:nvSpPr>
           <p:cNvPr id="12" name="Body Level One…"/>
-          <p:cNvSpPr txBox="1"/>
+          <p:cNvSpPr txBox="1">
+            <a:spLocks noGrp="1"/>
+          </p:cNvSpPr>
           <p:nvPr>
             <p:ph type="body" sz="quarter" idx="1"/>
           </p:nvPr>
@@ -602,7 +619,6 @@
             </a:lvl5pPr>
           </a:lstStyle>
           <a:p>
-            <a:pPr/>
             <a:r>
               <a:t>Body Level One</a:t>
             </a:r>
@@ -636,7 +652,9 @@
       <p:sp>
         <p:nvSpPr>
           <p:cNvPr id="13" name="Slide Number"/>
-          <p:cNvSpPr txBox="1"/>
+          <p:cNvSpPr txBox="1">
+            <a:spLocks noGrp="1"/>
+          </p:cNvSpPr>
           <p:nvPr>
             <p:ph type="sldNum" sz="quarter" idx="2"/>
           </p:nvPr>
@@ -650,8 +668,10 @@
           <a:bodyPr/>
           <a:lstStyle/>
           <a:p>
-            <a:pPr/>
-            <a:fld id="{86CB4B4D-7CA3-9044-876B-883B54F8677D}" type="slidenum"/>
+            <a:fld id="{86CB4B4D-7CA3-9044-876B-883B54F8677D}" type="slidenum">
+              <a:t>‹Nr.›</a:t>
+            </a:fld>
+            <a:endParaRPr/>
           </a:p>
         </p:txBody>
       </p:sp>
@@ -660,12 +680,12 @@
   <p:clrMapOvr>
     <a:masterClrMapping/>
   </p:clrMapOvr>
-  <p:transition xmlns:p14="http://schemas.microsoft.com/office/powerpoint/2010/main" spd="med" advClick="1"/>
+  <p:transition spd="med"/>
 </p:sldLayout>
 </file>
 
 <file path=ppt/slideLayouts/slideLayout10.xml><?xml version="1.0" encoding="utf-8"?>
-<p:sldLayout xmlns:a="http://schemas.openxmlformats.org/drawingml/2006/main" xmlns:r="http://schemas.openxmlformats.org/officeDocument/2006/relationships" xmlns:p="http://schemas.openxmlformats.org/presentationml/2006/main" type="tx" showMasterSp="1" showMasterPhAnim="1">
+<p:sldLayout xmlns:a="http://schemas.openxmlformats.org/drawingml/2006/main" xmlns:r="http://schemas.openxmlformats.org/officeDocument/2006/relationships" xmlns:p="http://schemas.openxmlformats.org/presentationml/2006/main" type="tx">
   <p:cSld name="Quote">
     <p:spTree>
       <p:nvGrpSpPr>
@@ -684,7 +704,9 @@
       <p:sp>
         <p:nvSpPr>
           <p:cNvPr id="93" name="–Johnny Appleseed"/>
-          <p:cNvSpPr txBox="1"/>
+          <p:cNvSpPr txBox="1">
+            <a:spLocks noGrp="1"/>
+          </p:cNvSpPr>
           <p:nvPr>
             <p:ph type="body" sz="quarter" idx="13"/>
           </p:nvPr>
@@ -718,7 +740,6 @@
             </a:lvl1pPr>
           </a:lstStyle>
           <a:p>
-            <a:pPr/>
             <a:r>
               <a:t>–Johnny Appleseed</a:t>
             </a:r>
@@ -728,7 +749,9 @@
       <p:sp>
         <p:nvSpPr>
           <p:cNvPr id="94" name="“Type a quote here.”"/>
-          <p:cNvSpPr txBox="1"/>
+          <p:cNvSpPr txBox="1">
+            <a:spLocks noGrp="1"/>
+          </p:cNvSpPr>
           <p:nvPr>
             <p:ph type="body" sz="quarter" idx="14"/>
           </p:nvPr>
@@ -757,7 +780,6 @@
             </a:lvl1pPr>
           </a:lstStyle>
           <a:p>
-            <a:pPr/>
             <a:r>
               <a:t>“Type a quote here.” </a:t>
             </a:r>
@@ -767,7 +789,9 @@
       <p:sp>
         <p:nvSpPr>
           <p:cNvPr id="95" name="Slide Number"/>
-          <p:cNvSpPr txBox="1"/>
+          <p:cNvSpPr txBox="1">
+            <a:spLocks noGrp="1"/>
+          </p:cNvSpPr>
           <p:nvPr>
             <p:ph type="sldNum" sz="quarter" idx="2"/>
           </p:nvPr>
@@ -781,8 +805,10 @@
           <a:bodyPr/>
           <a:lstStyle/>
           <a:p>
-            <a:pPr/>
-            <a:fld id="{86CB4B4D-7CA3-9044-876B-883B54F8677D}" type="slidenum"/>
+            <a:fld id="{86CB4B4D-7CA3-9044-876B-883B54F8677D}" type="slidenum">
+              <a:t>‹Nr.›</a:t>
+            </a:fld>
+            <a:endParaRPr/>
           </a:p>
         </p:txBody>
       </p:sp>
@@ -791,12 +817,12 @@
   <p:clrMapOvr>
     <a:masterClrMapping/>
   </p:clrMapOvr>
-  <p:transition xmlns:p14="http://schemas.microsoft.com/office/powerpoint/2010/main" spd="med" advClick="1"/>
+  <p:transition spd="med"/>
 </p:sldLayout>
 </file>
 
 <file path=ppt/slideLayouts/slideLayout11.xml><?xml version="1.0" encoding="utf-8"?>
-<p:sldLayout xmlns:a="http://schemas.openxmlformats.org/drawingml/2006/main" xmlns:r="http://schemas.openxmlformats.org/officeDocument/2006/relationships" xmlns:p="http://schemas.openxmlformats.org/presentationml/2006/main" type="tx" showMasterSp="1" showMasterPhAnim="1">
+<p:sldLayout xmlns:a="http://schemas.openxmlformats.org/drawingml/2006/main" xmlns:r="http://schemas.openxmlformats.org/officeDocument/2006/relationships" xmlns:p="http://schemas.openxmlformats.org/presentationml/2006/main" type="tx">
   <p:cSld name="Photo">
     <p:spTree>
       <p:nvGrpSpPr>
@@ -815,7 +841,9 @@
       <p:sp>
         <p:nvSpPr>
           <p:cNvPr id="102" name="Image"/>
-          <p:cNvSpPr/>
+          <p:cNvSpPr>
+            <a:spLocks noGrp="1"/>
+          </p:cNvSpPr>
           <p:nvPr>
             <p:ph type="pic" idx="13"/>
           </p:nvPr>
@@ -835,14 +863,16 @@
           </a:bodyPr>
           <a:lstStyle/>
           <a:p>
-            <a:pPr/>
+            <a:endParaRPr/>
           </a:p>
         </p:txBody>
       </p:sp>
       <p:sp>
         <p:nvSpPr>
           <p:cNvPr id="103" name="Slide Number"/>
-          <p:cNvSpPr txBox="1"/>
+          <p:cNvSpPr txBox="1">
+            <a:spLocks noGrp="1"/>
+          </p:cNvSpPr>
           <p:nvPr>
             <p:ph type="sldNum" sz="quarter" idx="2"/>
           </p:nvPr>
@@ -856,8 +886,10 @@
           <a:bodyPr/>
           <a:lstStyle/>
           <a:p>
-            <a:pPr/>
-            <a:fld id="{86CB4B4D-7CA3-9044-876B-883B54F8677D}" type="slidenum"/>
+            <a:fld id="{86CB4B4D-7CA3-9044-876B-883B54F8677D}" type="slidenum">
+              <a:t>‹Nr.›</a:t>
+            </a:fld>
+            <a:endParaRPr/>
           </a:p>
         </p:txBody>
       </p:sp>
@@ -866,12 +898,12 @@
   <p:clrMapOvr>
     <a:masterClrMapping/>
   </p:clrMapOvr>
-  <p:transition xmlns:p14="http://schemas.microsoft.com/office/powerpoint/2010/main" spd="med" advClick="1"/>
+  <p:transition spd="med"/>
 </p:sldLayout>
 </file>
 
 <file path=ppt/slideLayouts/slideLayout12.xml><?xml version="1.0" encoding="utf-8"?>
-<p:sldLayout xmlns:a="http://schemas.openxmlformats.org/drawingml/2006/main" xmlns:r="http://schemas.openxmlformats.org/officeDocument/2006/relationships" xmlns:p="http://schemas.openxmlformats.org/presentationml/2006/main" type="tx" showMasterSp="1" showMasterPhAnim="1">
+<p:sldLayout xmlns:a="http://schemas.openxmlformats.org/drawingml/2006/main" xmlns:r="http://schemas.openxmlformats.org/officeDocument/2006/relationships" xmlns:p="http://schemas.openxmlformats.org/presentationml/2006/main" type="tx">
   <p:cSld name="Blank">
     <p:spTree>
       <p:nvGrpSpPr>
@@ -890,7 +922,9 @@
       <p:sp>
         <p:nvSpPr>
           <p:cNvPr id="110" name="Slide Number"/>
-          <p:cNvSpPr txBox="1"/>
+          <p:cNvSpPr txBox="1">
+            <a:spLocks noGrp="1"/>
+          </p:cNvSpPr>
           <p:nvPr>
             <p:ph type="sldNum" sz="quarter" idx="2"/>
           </p:nvPr>
@@ -904,8 +938,10 @@
           <a:bodyPr/>
           <a:lstStyle/>
           <a:p>
-            <a:pPr/>
-            <a:fld id="{86CB4B4D-7CA3-9044-876B-883B54F8677D}" type="slidenum"/>
+            <a:fld id="{86CB4B4D-7CA3-9044-876B-883B54F8677D}" type="slidenum">
+              <a:t>‹Nr.›</a:t>
+            </a:fld>
+            <a:endParaRPr/>
           </a:p>
         </p:txBody>
       </p:sp>
@@ -914,12 +950,12 @@
   <p:clrMapOvr>
     <a:masterClrMapping/>
   </p:clrMapOvr>
-  <p:transition xmlns:p14="http://schemas.microsoft.com/office/powerpoint/2010/main" spd="med" advClick="1"/>
+  <p:transition spd="med"/>
 </p:sldLayout>
 </file>
 
 <file path=ppt/slideLayouts/slideLayout2.xml><?xml version="1.0" encoding="utf-8"?>
-<p:sldLayout xmlns:a="http://schemas.openxmlformats.org/drawingml/2006/main" xmlns:r="http://schemas.openxmlformats.org/officeDocument/2006/relationships" xmlns:p="http://schemas.openxmlformats.org/presentationml/2006/main" type="tx" showMasterSp="1" showMasterPhAnim="1">
+<p:sldLayout xmlns:a="http://schemas.openxmlformats.org/drawingml/2006/main" xmlns:r="http://schemas.openxmlformats.org/officeDocument/2006/relationships" xmlns:p="http://schemas.openxmlformats.org/presentationml/2006/main" type="tx">
   <p:cSld name="Photo - Horizontal">
     <p:spTree>
       <p:nvGrpSpPr>
@@ -938,7 +974,9 @@
       <p:sp>
         <p:nvSpPr>
           <p:cNvPr id="20" name="Image"/>
-          <p:cNvSpPr/>
+          <p:cNvSpPr>
+            <a:spLocks noGrp="1"/>
+          </p:cNvSpPr>
           <p:nvPr>
             <p:ph type="pic" idx="13"/>
           </p:nvPr>
@@ -958,14 +996,16 @@
           </a:bodyPr>
           <a:lstStyle/>
           <a:p>
-            <a:pPr/>
+            <a:endParaRPr/>
           </a:p>
         </p:txBody>
       </p:sp>
       <p:sp>
         <p:nvSpPr>
           <p:cNvPr id="21" name="Title Text"/>
-          <p:cNvSpPr txBox="1"/>
+          <p:cNvSpPr txBox="1">
+            <a:spLocks noGrp="1"/>
+          </p:cNvSpPr>
           <p:nvPr>
             <p:ph type="title"/>
           </p:nvPr>
@@ -983,7 +1023,6 @@
           <a:bodyPr anchor="b"/>
           <a:lstStyle/>
           <a:p>
-            <a:pPr/>
             <a:r>
               <a:t>Title Text</a:t>
             </a:r>
@@ -993,7 +1032,9 @@
       <p:sp>
         <p:nvSpPr>
           <p:cNvPr id="22" name="Body Level One…"/>
-          <p:cNvSpPr txBox="1"/>
+          <p:cNvSpPr txBox="1">
+            <a:spLocks noGrp="1"/>
+          </p:cNvSpPr>
           <p:nvPr>
             <p:ph type="body" sz="quarter" idx="1"/>
           </p:nvPr>
@@ -1052,7 +1093,6 @@
             </a:lvl5pPr>
           </a:lstStyle>
           <a:p>
-            <a:pPr/>
             <a:r>
               <a:t>Body Level One</a:t>
             </a:r>
@@ -1086,7 +1126,9 @@
       <p:sp>
         <p:nvSpPr>
           <p:cNvPr id="23" name="Slide Number"/>
-          <p:cNvSpPr txBox="1"/>
+          <p:cNvSpPr txBox="1">
+            <a:spLocks noGrp="1"/>
+          </p:cNvSpPr>
           <p:nvPr>
             <p:ph type="sldNum" sz="quarter" idx="2"/>
           </p:nvPr>
@@ -1104,8 +1146,10 @@
           <a:bodyPr/>
           <a:lstStyle/>
           <a:p>
-            <a:pPr/>
-            <a:fld id="{86CB4B4D-7CA3-9044-876B-883B54F8677D}" type="slidenum"/>
+            <a:fld id="{86CB4B4D-7CA3-9044-876B-883B54F8677D}" type="slidenum">
+              <a:t>‹Nr.›</a:t>
+            </a:fld>
+            <a:endParaRPr/>
           </a:p>
         </p:txBody>
       </p:sp>
@@ -1114,12 +1158,12 @@
   <p:clrMapOvr>
     <a:masterClrMapping/>
   </p:clrMapOvr>
-  <p:transition xmlns:p14="http://schemas.microsoft.com/office/powerpoint/2010/main" spd="med" advClick="1"/>
+  <p:transition spd="med"/>
 </p:sldLayout>
 </file>
 
 <file path=ppt/slideLayouts/slideLayout3.xml><?xml version="1.0" encoding="utf-8"?>
-<p:sldLayout xmlns:a="http://schemas.openxmlformats.org/drawingml/2006/main" xmlns:r="http://schemas.openxmlformats.org/officeDocument/2006/relationships" xmlns:p="http://schemas.openxmlformats.org/presentationml/2006/main" type="tx" showMasterSp="1" showMasterPhAnim="1">
+<p:sldLayout xmlns:a="http://schemas.openxmlformats.org/drawingml/2006/main" xmlns:r="http://schemas.openxmlformats.org/officeDocument/2006/relationships" xmlns:p="http://schemas.openxmlformats.org/presentationml/2006/main" type="tx">
   <p:cSld name="Title - Center">
     <p:spTree>
       <p:nvGrpSpPr>
@@ -1138,7 +1182,9 @@
       <p:sp>
         <p:nvSpPr>
           <p:cNvPr id="30" name="Title Text"/>
-          <p:cNvSpPr txBox="1"/>
+          <p:cNvSpPr txBox="1">
+            <a:spLocks noGrp="1"/>
+          </p:cNvSpPr>
           <p:nvPr>
             <p:ph type="title"/>
           </p:nvPr>
@@ -1156,7 +1202,6 @@
           <a:bodyPr/>
           <a:lstStyle/>
           <a:p>
-            <a:pPr/>
             <a:r>
               <a:t>Title Text</a:t>
             </a:r>
@@ -1166,7 +1211,9 @@
       <p:sp>
         <p:nvSpPr>
           <p:cNvPr id="31" name="Slide Number"/>
-          <p:cNvSpPr txBox="1"/>
+          <p:cNvSpPr txBox="1">
+            <a:spLocks noGrp="1"/>
+          </p:cNvSpPr>
           <p:nvPr>
             <p:ph type="sldNum" sz="quarter" idx="2"/>
           </p:nvPr>
@@ -1180,8 +1227,10 @@
           <a:bodyPr/>
           <a:lstStyle/>
           <a:p>
-            <a:pPr/>
-            <a:fld id="{86CB4B4D-7CA3-9044-876B-883B54F8677D}" type="slidenum"/>
+            <a:fld id="{86CB4B4D-7CA3-9044-876B-883B54F8677D}" type="slidenum">
+              <a:t>‹Nr.›</a:t>
+            </a:fld>
+            <a:endParaRPr/>
           </a:p>
         </p:txBody>
       </p:sp>
@@ -1190,12 +1239,12 @@
   <p:clrMapOvr>
     <a:masterClrMapping/>
   </p:clrMapOvr>
-  <p:transition xmlns:p14="http://schemas.microsoft.com/office/powerpoint/2010/main" spd="med" advClick="1"/>
+  <p:transition spd="med"/>
 </p:sldLayout>
 </file>
 
 <file path=ppt/slideLayouts/slideLayout4.xml><?xml version="1.0" encoding="utf-8"?>
-<p:sldLayout xmlns:a="http://schemas.openxmlformats.org/drawingml/2006/main" xmlns:r="http://schemas.openxmlformats.org/officeDocument/2006/relationships" xmlns:p="http://schemas.openxmlformats.org/presentationml/2006/main" type="tx" showMasterSp="1" showMasterPhAnim="1">
+<p:sldLayout xmlns:a="http://schemas.openxmlformats.org/drawingml/2006/main" xmlns:r="http://schemas.openxmlformats.org/officeDocument/2006/relationships" xmlns:p="http://schemas.openxmlformats.org/presentationml/2006/main" type="tx">
   <p:cSld name="Photo - Vertical">
     <p:spTree>
       <p:nvGrpSpPr>
@@ -1214,7 +1263,9 @@
       <p:sp>
         <p:nvSpPr>
           <p:cNvPr id="38" name="Image"/>
-          <p:cNvSpPr/>
+          <p:cNvSpPr>
+            <a:spLocks noGrp="1"/>
+          </p:cNvSpPr>
           <p:nvPr>
             <p:ph type="pic" sz="half" idx="13"/>
           </p:nvPr>
@@ -1234,14 +1285,16 @@
           </a:bodyPr>
           <a:lstStyle/>
           <a:p>
-            <a:pPr/>
+            <a:endParaRPr/>
           </a:p>
         </p:txBody>
       </p:sp>
       <p:sp>
         <p:nvSpPr>
           <p:cNvPr id="39" name="Title Text"/>
-          <p:cNvSpPr txBox="1"/>
+          <p:cNvSpPr txBox="1">
+            <a:spLocks noGrp="1"/>
+          </p:cNvSpPr>
           <p:nvPr>
             <p:ph type="title"/>
           </p:nvPr>
@@ -1263,7 +1316,6 @@
             </a:lvl1pPr>
           </a:lstStyle>
           <a:p>
-            <a:pPr/>
             <a:r>
               <a:t>Title Text</a:t>
             </a:r>
@@ -1273,7 +1325,9 @@
       <p:sp>
         <p:nvSpPr>
           <p:cNvPr id="40" name="Body Level One…"/>
-          <p:cNvSpPr txBox="1"/>
+          <p:cNvSpPr txBox="1">
+            <a:spLocks noGrp="1"/>
+          </p:cNvSpPr>
           <p:nvPr>
             <p:ph type="body" sz="quarter" idx="1"/>
           </p:nvPr>
@@ -1332,7 +1386,6 @@
             </a:lvl5pPr>
           </a:lstStyle>
           <a:p>
-            <a:pPr/>
             <a:r>
               <a:t>Body Level One</a:t>
             </a:r>
@@ -1366,7 +1419,9 @@
       <p:sp>
         <p:nvSpPr>
           <p:cNvPr id="41" name="Slide Number"/>
-          <p:cNvSpPr txBox="1"/>
+          <p:cNvSpPr txBox="1">
+            <a:spLocks noGrp="1"/>
+          </p:cNvSpPr>
           <p:nvPr>
             <p:ph type="sldNum" sz="quarter" idx="2"/>
           </p:nvPr>
@@ -1380,8 +1435,10 @@
           <a:bodyPr/>
           <a:lstStyle/>
           <a:p>
-            <a:pPr/>
-            <a:fld id="{86CB4B4D-7CA3-9044-876B-883B54F8677D}" type="slidenum"/>
+            <a:fld id="{86CB4B4D-7CA3-9044-876B-883B54F8677D}" type="slidenum">
+              <a:t>‹Nr.›</a:t>
+            </a:fld>
+            <a:endParaRPr/>
           </a:p>
         </p:txBody>
       </p:sp>
@@ -1390,12 +1447,12 @@
   <p:clrMapOvr>
     <a:masterClrMapping/>
   </p:clrMapOvr>
-  <p:transition xmlns:p14="http://schemas.microsoft.com/office/powerpoint/2010/main" spd="med" advClick="1"/>
+  <p:transition spd="med"/>
 </p:sldLayout>
 </file>
 
 <file path=ppt/slideLayouts/slideLayout5.xml><?xml version="1.0" encoding="utf-8"?>
-<p:sldLayout xmlns:a="http://schemas.openxmlformats.org/drawingml/2006/main" xmlns:r="http://schemas.openxmlformats.org/officeDocument/2006/relationships" xmlns:p="http://schemas.openxmlformats.org/presentationml/2006/main" type="tx" showMasterSp="1" showMasterPhAnim="1">
+<p:sldLayout xmlns:a="http://schemas.openxmlformats.org/drawingml/2006/main" xmlns:r="http://schemas.openxmlformats.org/officeDocument/2006/relationships" xmlns:p="http://schemas.openxmlformats.org/presentationml/2006/main" type="tx">
   <p:cSld name="Title - Top">
     <p:spTree>
       <p:nvGrpSpPr>
@@ -1414,7 +1471,9 @@
       <p:sp>
         <p:nvSpPr>
           <p:cNvPr id="48" name="Title Text"/>
-          <p:cNvSpPr txBox="1"/>
+          <p:cNvSpPr txBox="1">
+            <a:spLocks noGrp="1"/>
+          </p:cNvSpPr>
           <p:nvPr>
             <p:ph type="title"/>
           </p:nvPr>
@@ -1428,7 +1487,6 @@
           <a:bodyPr/>
           <a:lstStyle/>
           <a:p>
-            <a:pPr/>
             <a:r>
               <a:t>Title Text</a:t>
             </a:r>
@@ -1438,7 +1496,9 @@
       <p:sp>
         <p:nvSpPr>
           <p:cNvPr id="49" name="Slide Number"/>
-          <p:cNvSpPr txBox="1"/>
+          <p:cNvSpPr txBox="1">
+            <a:spLocks noGrp="1"/>
+          </p:cNvSpPr>
           <p:nvPr>
             <p:ph type="sldNum" sz="quarter" idx="2"/>
           </p:nvPr>
@@ -1452,8 +1512,10 @@
           <a:bodyPr/>
           <a:lstStyle/>
           <a:p>
-            <a:pPr/>
-            <a:fld id="{86CB4B4D-7CA3-9044-876B-883B54F8677D}" type="slidenum"/>
+            <a:fld id="{86CB4B4D-7CA3-9044-876B-883B54F8677D}" type="slidenum">
+              <a:t>‹Nr.›</a:t>
+            </a:fld>
+            <a:endParaRPr/>
           </a:p>
         </p:txBody>
       </p:sp>
@@ -1462,12 +1524,12 @@
   <p:clrMapOvr>
     <a:masterClrMapping/>
   </p:clrMapOvr>
-  <p:transition xmlns:p14="http://schemas.microsoft.com/office/powerpoint/2010/main" spd="med" advClick="1"/>
+  <p:transition spd="med"/>
 </p:sldLayout>
 </file>
 
 <file path=ppt/slideLayouts/slideLayout6.xml><?xml version="1.0" encoding="utf-8"?>
-<p:sldLayout xmlns:a="http://schemas.openxmlformats.org/drawingml/2006/main" xmlns:r="http://schemas.openxmlformats.org/officeDocument/2006/relationships" xmlns:p="http://schemas.openxmlformats.org/presentationml/2006/main" type="tx" showMasterSp="1" showMasterPhAnim="1">
+<p:sldLayout xmlns:a="http://schemas.openxmlformats.org/drawingml/2006/main" xmlns:r="http://schemas.openxmlformats.org/officeDocument/2006/relationships" xmlns:p="http://schemas.openxmlformats.org/presentationml/2006/main" type="tx">
   <p:cSld name="Title &amp; Bullets">
     <p:spTree>
       <p:nvGrpSpPr>
@@ -1486,7 +1548,9 @@
       <p:sp>
         <p:nvSpPr>
           <p:cNvPr id="56" name="Title Text"/>
-          <p:cNvSpPr txBox="1"/>
+          <p:cNvSpPr txBox="1">
+            <a:spLocks noGrp="1"/>
+          </p:cNvSpPr>
           <p:nvPr>
             <p:ph type="title"/>
           </p:nvPr>
@@ -1500,7 +1564,6 @@
           <a:bodyPr/>
           <a:lstStyle/>
           <a:p>
-            <a:pPr/>
             <a:r>
               <a:t>Title Text</a:t>
             </a:r>
@@ -1510,7 +1573,9 @@
       <p:sp>
         <p:nvSpPr>
           <p:cNvPr id="57" name="Body Level One…"/>
-          <p:cNvSpPr txBox="1"/>
+          <p:cNvSpPr txBox="1">
+            <a:spLocks noGrp="1"/>
+          </p:cNvSpPr>
           <p:nvPr>
             <p:ph type="body" idx="1"/>
           </p:nvPr>
@@ -1524,7 +1589,6 @@
           <a:bodyPr/>
           <a:lstStyle/>
           <a:p>
-            <a:pPr/>
             <a:r>
               <a:t>Body Level One</a:t>
             </a:r>
@@ -1558,7 +1622,9 @@
       <p:sp>
         <p:nvSpPr>
           <p:cNvPr id="58" name="Slide Number"/>
-          <p:cNvSpPr txBox="1"/>
+          <p:cNvSpPr txBox="1">
+            <a:spLocks noGrp="1"/>
+          </p:cNvSpPr>
           <p:nvPr>
             <p:ph type="sldNum" sz="quarter" idx="2"/>
           </p:nvPr>
@@ -1572,8 +1638,10 @@
           <a:bodyPr/>
           <a:lstStyle/>
           <a:p>
-            <a:pPr/>
-            <a:fld id="{86CB4B4D-7CA3-9044-876B-883B54F8677D}" type="slidenum"/>
+            <a:fld id="{86CB4B4D-7CA3-9044-876B-883B54F8677D}" type="slidenum">
+              <a:t>‹Nr.›</a:t>
+            </a:fld>
+            <a:endParaRPr/>
           </a:p>
         </p:txBody>
       </p:sp>
@@ -1582,12 +1650,12 @@
   <p:clrMapOvr>
     <a:masterClrMapping/>
   </p:clrMapOvr>
-  <p:transition xmlns:p14="http://schemas.microsoft.com/office/powerpoint/2010/main" spd="med" advClick="1"/>
+  <p:transition spd="med"/>
 </p:sldLayout>
 </file>
 
 <file path=ppt/slideLayouts/slideLayout7.xml><?xml version="1.0" encoding="utf-8"?>
-<p:sldLayout xmlns:a="http://schemas.openxmlformats.org/drawingml/2006/main" xmlns:r="http://schemas.openxmlformats.org/officeDocument/2006/relationships" xmlns:p="http://schemas.openxmlformats.org/presentationml/2006/main" type="tx" showMasterSp="1" showMasterPhAnim="1">
+<p:sldLayout xmlns:a="http://schemas.openxmlformats.org/drawingml/2006/main" xmlns:r="http://schemas.openxmlformats.org/officeDocument/2006/relationships" xmlns:p="http://schemas.openxmlformats.org/presentationml/2006/main" type="tx">
   <p:cSld name="Title, Bullets &amp; Photo">
     <p:spTree>
       <p:nvGrpSpPr>
@@ -1606,7 +1674,9 @@
       <p:sp>
         <p:nvSpPr>
           <p:cNvPr id="65" name="Image"/>
-          <p:cNvSpPr/>
+          <p:cNvSpPr>
+            <a:spLocks noGrp="1"/>
+          </p:cNvSpPr>
           <p:nvPr>
             <p:ph type="pic" sz="half" idx="13"/>
           </p:nvPr>
@@ -1626,14 +1696,16 @@
           </a:bodyPr>
           <a:lstStyle/>
           <a:p>
-            <a:pPr/>
+            <a:endParaRPr/>
           </a:p>
         </p:txBody>
       </p:sp>
       <p:sp>
         <p:nvSpPr>
           <p:cNvPr id="66" name="Title Text"/>
-          <p:cNvSpPr txBox="1"/>
+          <p:cNvSpPr txBox="1">
+            <a:spLocks noGrp="1"/>
+          </p:cNvSpPr>
           <p:nvPr>
             <p:ph type="title"/>
           </p:nvPr>
@@ -1647,7 +1719,6 @@
           <a:bodyPr/>
           <a:lstStyle/>
           <a:p>
-            <a:pPr/>
             <a:r>
               <a:t>Title Text</a:t>
             </a:r>
@@ -1657,7 +1728,9 @@
       <p:sp>
         <p:nvSpPr>
           <p:cNvPr id="67" name="Body Level One…"/>
-          <p:cNvSpPr txBox="1"/>
+          <p:cNvSpPr txBox="1">
+            <a:spLocks noGrp="1"/>
+          </p:cNvSpPr>
           <p:nvPr>
             <p:ph type="body" sz="half" idx="1"/>
           </p:nvPr>
@@ -1706,7 +1779,6 @@
             </a:lvl5pPr>
           </a:lstStyle>
           <a:p>
-            <a:pPr/>
             <a:r>
               <a:t>Body Level One</a:t>
             </a:r>
@@ -1740,7 +1812,9 @@
       <p:sp>
         <p:nvSpPr>
           <p:cNvPr id="68" name="Slide Number"/>
-          <p:cNvSpPr txBox="1"/>
+          <p:cNvSpPr txBox="1">
+            <a:spLocks noGrp="1"/>
+          </p:cNvSpPr>
           <p:nvPr>
             <p:ph type="sldNum" sz="quarter" idx="2"/>
           </p:nvPr>
@@ -1754,8 +1828,10 @@
           <a:bodyPr/>
           <a:lstStyle/>
           <a:p>
-            <a:pPr/>
-            <a:fld id="{86CB4B4D-7CA3-9044-876B-883B54F8677D}" type="slidenum"/>
+            <a:fld id="{86CB4B4D-7CA3-9044-876B-883B54F8677D}" type="slidenum">
+              <a:t>‹Nr.›</a:t>
+            </a:fld>
+            <a:endParaRPr/>
           </a:p>
         </p:txBody>
       </p:sp>
@@ -1764,12 +1840,12 @@
   <p:clrMapOvr>
     <a:masterClrMapping/>
   </p:clrMapOvr>
-  <p:transition xmlns:p14="http://schemas.microsoft.com/office/powerpoint/2010/main" spd="med" advClick="1"/>
+  <p:transition spd="med"/>
 </p:sldLayout>
 </file>
 
 <file path=ppt/slideLayouts/slideLayout8.xml><?xml version="1.0" encoding="utf-8"?>
-<p:sldLayout xmlns:a="http://schemas.openxmlformats.org/drawingml/2006/main" xmlns:r="http://schemas.openxmlformats.org/officeDocument/2006/relationships" xmlns:p="http://schemas.openxmlformats.org/presentationml/2006/main" type="tx" showMasterSp="1" showMasterPhAnim="1">
+<p:sldLayout xmlns:a="http://schemas.openxmlformats.org/drawingml/2006/main" xmlns:r="http://schemas.openxmlformats.org/officeDocument/2006/relationships" xmlns:p="http://schemas.openxmlformats.org/presentationml/2006/main" type="tx">
   <p:cSld name="Bullets">
     <p:spTree>
       <p:nvGrpSpPr>
@@ -1788,7 +1864,9 @@
       <p:sp>
         <p:nvSpPr>
           <p:cNvPr id="75" name="Body Level One…"/>
-          <p:cNvSpPr txBox="1"/>
+          <p:cNvSpPr txBox="1">
+            <a:spLocks noGrp="1"/>
+          </p:cNvSpPr>
           <p:nvPr>
             <p:ph type="body" idx="1"/>
           </p:nvPr>
@@ -1806,7 +1884,6 @@
           <a:bodyPr/>
           <a:lstStyle/>
           <a:p>
-            <a:pPr/>
             <a:r>
               <a:t>Body Level One</a:t>
             </a:r>
@@ -1840,7 +1917,9 @@
       <p:sp>
         <p:nvSpPr>
           <p:cNvPr id="76" name="Slide Number"/>
-          <p:cNvSpPr txBox="1"/>
+          <p:cNvSpPr txBox="1">
+            <a:spLocks noGrp="1"/>
+          </p:cNvSpPr>
           <p:nvPr>
             <p:ph type="sldNum" sz="quarter" idx="2"/>
           </p:nvPr>
@@ -1854,8 +1933,10 @@
           <a:bodyPr/>
           <a:lstStyle/>
           <a:p>
-            <a:pPr/>
-            <a:fld id="{86CB4B4D-7CA3-9044-876B-883B54F8677D}" type="slidenum"/>
+            <a:fld id="{86CB4B4D-7CA3-9044-876B-883B54F8677D}" type="slidenum">
+              <a:t>‹Nr.›</a:t>
+            </a:fld>
+            <a:endParaRPr/>
           </a:p>
         </p:txBody>
       </p:sp>
@@ -1864,12 +1945,12 @@
   <p:clrMapOvr>
     <a:masterClrMapping/>
   </p:clrMapOvr>
-  <p:transition xmlns:p14="http://schemas.microsoft.com/office/powerpoint/2010/main" spd="med" advClick="1"/>
+  <p:transition spd="med"/>
 </p:sldLayout>
 </file>
 
 <file path=ppt/slideLayouts/slideLayout9.xml><?xml version="1.0" encoding="utf-8"?>
-<p:sldLayout xmlns:a="http://schemas.openxmlformats.org/drawingml/2006/main" xmlns:r="http://schemas.openxmlformats.org/officeDocument/2006/relationships" xmlns:p="http://schemas.openxmlformats.org/presentationml/2006/main" type="tx" showMasterSp="1" showMasterPhAnim="1">
+<p:sldLayout xmlns:a="http://schemas.openxmlformats.org/drawingml/2006/main" xmlns:r="http://schemas.openxmlformats.org/officeDocument/2006/relationships" xmlns:p="http://schemas.openxmlformats.org/presentationml/2006/main" type="tx">
   <p:cSld name="Photo - 3 Up">
     <p:spTree>
       <p:nvGrpSpPr>
@@ -1888,7 +1969,9 @@
       <p:sp>
         <p:nvSpPr>
           <p:cNvPr id="83" name="Image"/>
-          <p:cNvSpPr/>
+          <p:cNvSpPr>
+            <a:spLocks noGrp="1"/>
+          </p:cNvSpPr>
           <p:nvPr>
             <p:ph type="pic" sz="quarter" idx="13"/>
           </p:nvPr>
@@ -1908,14 +1991,16 @@
           </a:bodyPr>
           <a:lstStyle/>
           <a:p>
-            <a:pPr/>
+            <a:endParaRPr/>
           </a:p>
         </p:txBody>
       </p:sp>
       <p:sp>
         <p:nvSpPr>
           <p:cNvPr id="84" name="Image"/>
-          <p:cNvSpPr/>
+          <p:cNvSpPr>
+            <a:spLocks noGrp="1"/>
+          </p:cNvSpPr>
           <p:nvPr>
             <p:ph type="pic" sz="quarter" idx="14"/>
           </p:nvPr>
@@ -1935,14 +2020,16 @@
           </a:bodyPr>
           <a:lstStyle/>
           <a:p>
-            <a:pPr/>
+            <a:endParaRPr/>
           </a:p>
         </p:txBody>
       </p:sp>
       <p:sp>
         <p:nvSpPr>
           <p:cNvPr id="85" name="Image"/>
-          <p:cNvSpPr/>
+          <p:cNvSpPr>
+            <a:spLocks noGrp="1"/>
+          </p:cNvSpPr>
           <p:nvPr>
             <p:ph type="pic" sz="half" idx="15"/>
           </p:nvPr>
@@ -1962,14 +2049,16 @@
           </a:bodyPr>
           <a:lstStyle/>
           <a:p>
-            <a:pPr/>
+            <a:endParaRPr/>
           </a:p>
         </p:txBody>
       </p:sp>
       <p:sp>
         <p:nvSpPr>
           <p:cNvPr id="86" name="Slide Number"/>
-          <p:cNvSpPr txBox="1"/>
+          <p:cNvSpPr txBox="1">
+            <a:spLocks noGrp="1"/>
+          </p:cNvSpPr>
           <p:nvPr>
             <p:ph type="sldNum" sz="quarter" idx="2"/>
           </p:nvPr>
@@ -1983,8 +2072,10 @@
           <a:bodyPr/>
           <a:lstStyle/>
           <a:p>
-            <a:pPr/>
-            <a:fld id="{86CB4B4D-7CA3-9044-876B-883B54F8677D}" type="slidenum"/>
+            <a:fld id="{86CB4B4D-7CA3-9044-876B-883B54F8677D}" type="slidenum">
+              <a:t>‹Nr.›</a:t>
+            </a:fld>
+            <a:endParaRPr/>
           </a:p>
         </p:txBody>
       </p:sp>
@@ -1993,7 +2084,7 @@
   <p:clrMapOvr>
     <a:masterClrMapping/>
   </p:clrMapOvr>
-  <p:transition xmlns:p14="http://schemas.microsoft.com/office/powerpoint/2010/main" spd="med" advClick="1"/>
+  <p:transition spd="med"/>
 </p:sldLayout>
 </file>
 
@@ -2005,6 +2096,7 @@
         <a:solidFill>
           <a:srgbClr val="FFFFFF"/>
         </a:solidFill>
+        <a:effectLst/>
       </p:bgPr>
     </p:bg>
     <p:spTree>
@@ -2024,7 +2116,9 @@
       <p:sp>
         <p:nvSpPr>
           <p:cNvPr id="2" name="Title Text"/>
-          <p:cNvSpPr txBox="1"/>
+          <p:cNvSpPr txBox="1">
+            <a:spLocks noGrp="1"/>
+          </p:cNvSpPr>
           <p:nvPr>
             <p:ph type="title"/>
           </p:nvPr>
@@ -2042,17 +2136,16 @@
           </a:ln>
           <a:extLst>
             <a:ext uri="{C572A759-6A51-4108-AA02-DFA0A04FC94B}">
-              <ma14:wrappingTextBoxFlag xmlns:ma14="http://schemas.microsoft.com/office/mac/drawingml/2011/main" val="1"/>
+              <ma14:wrappingTextBoxFlag xmlns:ma14="http://schemas.microsoft.com/office/mac/drawingml/2011/main" xmlns="" val="1"/>
             </a:ext>
           </a:extLst>
         </p:spPr>
         <p:txBody>
           <a:bodyPr lIns="50800" tIns="50800" rIns="50800" bIns="50800" anchor="ctr">
-            <a:normAutofit fontScale="100000" lnSpcReduction="0"/>
+            <a:normAutofit/>
           </a:bodyPr>
           <a:lstStyle/>
           <a:p>
-            <a:pPr/>
             <a:r>
               <a:t>Title Text</a:t>
             </a:r>
@@ -2062,7 +2155,9 @@
       <p:sp>
         <p:nvSpPr>
           <p:cNvPr id="3" name="Body Level One…"/>
-          <p:cNvSpPr txBox="1"/>
+          <p:cNvSpPr txBox="1">
+            <a:spLocks noGrp="1"/>
+          </p:cNvSpPr>
           <p:nvPr>
             <p:ph type="body" idx="1"/>
           </p:nvPr>
@@ -2080,17 +2175,16 @@
           </a:ln>
           <a:extLst>
             <a:ext uri="{C572A759-6A51-4108-AA02-DFA0A04FC94B}">
-              <ma14:wrappingTextBoxFlag xmlns:ma14="http://schemas.microsoft.com/office/mac/drawingml/2011/main" val="1"/>
+              <ma14:wrappingTextBoxFlag xmlns:ma14="http://schemas.microsoft.com/office/mac/drawingml/2011/main" xmlns="" val="1"/>
             </a:ext>
           </a:extLst>
         </p:spPr>
         <p:txBody>
           <a:bodyPr lIns="50800" tIns="50800" rIns="50800" bIns="50800" anchor="ctr">
-            <a:normAutofit fontScale="100000" lnSpcReduction="0"/>
+            <a:normAutofit/>
           </a:bodyPr>
           <a:lstStyle/>
           <a:p>
-            <a:pPr/>
             <a:r>
               <a:t>Body Level One</a:t>
             </a:r>
@@ -2124,7 +2218,9 @@
       <p:sp>
         <p:nvSpPr>
           <p:cNvPr id="4" name="Slide Number"/>
-          <p:cNvSpPr txBox="1"/>
+          <p:cNvSpPr txBox="1">
+            <a:spLocks noGrp="1"/>
+          </p:cNvSpPr>
           <p:nvPr>
             <p:ph type="sldNum" sz="quarter" idx="2"/>
           </p:nvPr>
@@ -2151,8 +2247,10 @@
             </a:lvl1pPr>
           </a:lstStyle>
           <a:p>
-            <a:pPr/>
-            <a:fld id="{86CB4B4D-7CA3-9044-876B-883B54F8677D}" type="slidenum"/>
+            <a:fld id="{86CB4B4D-7CA3-9044-876B-883B54F8677D}" type="slidenum">
+              <a:t>‹Nr.›</a:t>
+            </a:fld>
+            <a:endParaRPr/>
           </a:p>
         </p:txBody>
       </p:sp>
@@ -2160,20 +2258,20 @@
   </p:cSld>
   <p:clrMap bg1="lt1" tx1="dk1" bg2="lt2" tx2="dk2" accent1="accent1" accent2="accent2" accent3="accent3" accent4="accent4" accent5="accent5" accent6="accent6" hlink="hlink" folHlink="folHlink"/>
   <p:sldLayoutIdLst>
-    <p:sldLayoutId id="2147483649" r:id="rId2"/>
-    <p:sldLayoutId id="2147483650" r:id="rId3"/>
-    <p:sldLayoutId id="2147483651" r:id="rId4"/>
-    <p:sldLayoutId id="2147483652" r:id="rId5"/>
-    <p:sldLayoutId id="2147483653" r:id="rId6"/>
-    <p:sldLayoutId id="2147483654" r:id="rId7"/>
-    <p:sldLayoutId id="2147483655" r:id="rId8"/>
-    <p:sldLayoutId id="2147483656" r:id="rId9"/>
-    <p:sldLayoutId id="2147483657" r:id="rId10"/>
-    <p:sldLayoutId id="2147483658" r:id="rId11"/>
-    <p:sldLayoutId id="2147483659" r:id="rId12"/>
-    <p:sldLayoutId id="2147483660" r:id="rId13"/>
+    <p:sldLayoutId id="2147483649" r:id="rId1"/>
+    <p:sldLayoutId id="2147483650" r:id="rId2"/>
+    <p:sldLayoutId id="2147483651" r:id="rId3"/>
+    <p:sldLayoutId id="2147483652" r:id="rId4"/>
+    <p:sldLayoutId id="2147483653" r:id="rId5"/>
+    <p:sldLayoutId id="2147483654" r:id="rId6"/>
+    <p:sldLayoutId id="2147483655" r:id="rId7"/>
+    <p:sldLayoutId id="2147483656" r:id="rId8"/>
+    <p:sldLayoutId id="2147483657" r:id="rId9"/>
+    <p:sldLayoutId id="2147483658" r:id="rId10"/>
+    <p:sldLayoutId id="2147483659" r:id="rId11"/>
+    <p:sldLayoutId id="2147483660" r:id="rId12"/>
   </p:sldLayoutIdLst>
-  <p:transition xmlns:p14="http://schemas.microsoft.com/office/powerpoint/2010/main" spd="med" advClick="1"/>
+  <p:transition spd="med"/>
   <p:txStyles>
     <p:titleStyle>
       <a:lvl1pPr marL="0" marR="0" indent="0" algn="ctr" defTabSz="584200" rtl="0" latinLnBrk="0">
@@ -2191,7 +2289,7 @@
         <a:buFontTx/>
         <a:buNone/>
         <a:tabLst/>
-        <a:defRPr b="0" baseline="0" cap="none" i="0" spc="0" strike="noStrike" sz="8000" u="none">
+        <a:defRPr sz="8000" b="0" i="0" u="none" strike="noStrike" cap="none" spc="0" baseline="0">
           <a:ln>
             <a:noFill/>
           </a:ln>
@@ -2220,7 +2318,7 @@
         <a:buFontTx/>
         <a:buNone/>
         <a:tabLst/>
-        <a:defRPr b="0" baseline="0" cap="none" i="0" spc="0" strike="noStrike" sz="8000" u="none">
+        <a:defRPr sz="8000" b="0" i="0" u="none" strike="noStrike" cap="none" spc="0" baseline="0">
           <a:ln>
             <a:noFill/>
           </a:ln>
@@ -2249,7 +2347,7 @@
         <a:buFontTx/>
         <a:buNone/>
         <a:tabLst/>
-        <a:defRPr b="0" baseline="0" cap="none" i="0" spc="0" strike="noStrike" sz="8000" u="none">
+        <a:defRPr sz="8000" b="0" i="0" u="none" strike="noStrike" cap="none" spc="0" baseline="0">
           <a:ln>
             <a:noFill/>
           </a:ln>
@@ -2278,7 +2376,7 @@
         <a:buFontTx/>
         <a:buNone/>
         <a:tabLst/>
-        <a:defRPr b="0" baseline="0" cap="none" i="0" spc="0" strike="noStrike" sz="8000" u="none">
+        <a:defRPr sz="8000" b="0" i="0" u="none" strike="noStrike" cap="none" spc="0" baseline="0">
           <a:ln>
             <a:noFill/>
           </a:ln>
@@ -2307,7 +2405,7 @@
         <a:buFontTx/>
         <a:buNone/>
         <a:tabLst/>
-        <a:defRPr b="0" baseline="0" cap="none" i="0" spc="0" strike="noStrike" sz="8000" u="none">
+        <a:defRPr sz="8000" b="0" i="0" u="none" strike="noStrike" cap="none" spc="0" baseline="0">
           <a:ln>
             <a:noFill/>
           </a:ln>
@@ -2336,7 +2434,7 @@
         <a:buFontTx/>
         <a:buNone/>
         <a:tabLst/>
-        <a:defRPr b="0" baseline="0" cap="none" i="0" spc="0" strike="noStrike" sz="8000" u="none">
+        <a:defRPr sz="8000" b="0" i="0" u="none" strike="noStrike" cap="none" spc="0" baseline="0">
           <a:ln>
             <a:noFill/>
           </a:ln>
@@ -2365,7 +2463,7 @@
         <a:buFontTx/>
         <a:buNone/>
         <a:tabLst/>
-        <a:defRPr b="0" baseline="0" cap="none" i="0" spc="0" strike="noStrike" sz="8000" u="none">
+        <a:defRPr sz="8000" b="0" i="0" u="none" strike="noStrike" cap="none" spc="0" baseline="0">
           <a:ln>
             <a:noFill/>
           </a:ln>
@@ -2394,7 +2492,7 @@
         <a:buFontTx/>
         <a:buNone/>
         <a:tabLst/>
-        <a:defRPr b="0" baseline="0" cap="none" i="0" spc="0" strike="noStrike" sz="8000" u="none">
+        <a:defRPr sz="8000" b="0" i="0" u="none" strike="noStrike" cap="none" spc="0" baseline="0">
           <a:ln>
             <a:noFill/>
           </a:ln>
@@ -2423,7 +2521,7 @@
         <a:buFontTx/>
         <a:buNone/>
         <a:tabLst/>
-        <a:defRPr b="0" baseline="0" cap="none" i="0" spc="0" strike="noStrike" sz="8000" u="none">
+        <a:defRPr sz="8000" b="0" i="0" u="none" strike="noStrike" cap="none" spc="0" baseline="0">
           <a:ln>
             <a:noFill/>
           </a:ln>
@@ -2454,7 +2552,7 @@
         <a:buFontTx/>
         <a:buChar char="•"/>
         <a:tabLst/>
-        <a:defRPr b="0" baseline="0" cap="none" i="0" spc="0" strike="noStrike" sz="3600" u="none">
+        <a:defRPr sz="3600" b="0" i="0" u="none" strike="noStrike" cap="none" spc="0" baseline="0">
           <a:ln>
             <a:noFill/>
           </a:ln>
@@ -2483,7 +2581,7 @@
         <a:buFontTx/>
         <a:buChar char="•"/>
         <a:tabLst/>
-        <a:defRPr b="0" baseline="0" cap="none" i="0" spc="0" strike="noStrike" sz="3600" u="none">
+        <a:defRPr sz="3600" b="0" i="0" u="none" strike="noStrike" cap="none" spc="0" baseline="0">
           <a:ln>
             <a:noFill/>
           </a:ln>
@@ -2512,7 +2610,7 @@
         <a:buFontTx/>
         <a:buChar char="•"/>
         <a:tabLst/>
-        <a:defRPr b="0" baseline="0" cap="none" i="0" spc="0" strike="noStrike" sz="3600" u="none">
+        <a:defRPr sz="3600" b="0" i="0" u="none" strike="noStrike" cap="none" spc="0" baseline="0">
           <a:ln>
             <a:noFill/>
           </a:ln>
@@ -2541,7 +2639,7 @@
         <a:buFontTx/>
         <a:buChar char="•"/>
         <a:tabLst/>
-        <a:defRPr b="0" baseline="0" cap="none" i="0" spc="0" strike="noStrike" sz="3600" u="none">
+        <a:defRPr sz="3600" b="0" i="0" u="none" strike="noStrike" cap="none" spc="0" baseline="0">
           <a:ln>
             <a:noFill/>
           </a:ln>
@@ -2570,7 +2668,7 @@
         <a:buFontTx/>
         <a:buChar char="•"/>
         <a:tabLst/>
-        <a:defRPr b="0" baseline="0" cap="none" i="0" spc="0" strike="noStrike" sz="3600" u="none">
+        <a:defRPr sz="3600" b="0" i="0" u="none" strike="noStrike" cap="none" spc="0" baseline="0">
           <a:ln>
             <a:noFill/>
           </a:ln>
@@ -2599,7 +2697,7 @@
         <a:buFontTx/>
         <a:buChar char="•"/>
         <a:tabLst/>
-        <a:defRPr b="0" baseline="0" cap="none" i="0" spc="0" strike="noStrike" sz="3600" u="none">
+        <a:defRPr sz="3600" b="0" i="0" u="none" strike="noStrike" cap="none" spc="0" baseline="0">
           <a:ln>
             <a:noFill/>
           </a:ln>
@@ -2628,7 +2726,7 @@
         <a:buFontTx/>
         <a:buChar char="•"/>
         <a:tabLst/>
-        <a:defRPr b="0" baseline="0" cap="none" i="0" spc="0" strike="noStrike" sz="3600" u="none">
+        <a:defRPr sz="3600" b="0" i="0" u="none" strike="noStrike" cap="none" spc="0" baseline="0">
           <a:ln>
             <a:noFill/>
           </a:ln>
@@ -2657,7 +2755,7 @@
         <a:buFontTx/>
         <a:buChar char="•"/>
         <a:tabLst/>
-        <a:defRPr b="0" baseline="0" cap="none" i="0" spc="0" strike="noStrike" sz="3600" u="none">
+        <a:defRPr sz="3600" b="0" i="0" u="none" strike="noStrike" cap="none" spc="0" baseline="0">
           <a:ln>
             <a:noFill/>
           </a:ln>
@@ -2686,7 +2784,7 @@
         <a:buFontTx/>
         <a:buChar char="•"/>
         <a:tabLst/>
-        <a:defRPr b="0" baseline="0" cap="none" i="0" spc="0" strike="noStrike" sz="3600" u="none">
+        <a:defRPr sz="3600" b="0" i="0" u="none" strike="noStrike" cap="none" spc="0" baseline="0">
           <a:ln>
             <a:noFill/>
           </a:ln>
@@ -2717,7 +2815,7 @@
         <a:buFontTx/>
         <a:buNone/>
         <a:tabLst/>
-        <a:defRPr b="0" baseline="0" cap="none" i="0" spc="0" strike="noStrike" sz="1800" u="none">
+        <a:defRPr sz="1800" b="0" i="0" u="none" strike="noStrike" cap="none" spc="0" baseline="0">
           <a:ln>
             <a:noFill/>
           </a:ln>
@@ -2746,7 +2844,7 @@
         <a:buFontTx/>
         <a:buNone/>
         <a:tabLst/>
-        <a:defRPr b="0" baseline="0" cap="none" i="0" spc="0" strike="noStrike" sz="1800" u="none">
+        <a:defRPr sz="1800" b="0" i="0" u="none" strike="noStrike" cap="none" spc="0" baseline="0">
           <a:ln>
             <a:noFill/>
           </a:ln>
@@ -2775,7 +2873,7 @@
         <a:buFontTx/>
         <a:buNone/>
         <a:tabLst/>
-        <a:defRPr b="0" baseline="0" cap="none" i="0" spc="0" strike="noStrike" sz="1800" u="none">
+        <a:defRPr sz="1800" b="0" i="0" u="none" strike="noStrike" cap="none" spc="0" baseline="0">
           <a:ln>
             <a:noFill/>
           </a:ln>
@@ -2804,7 +2902,7 @@
         <a:buFontTx/>
         <a:buNone/>
         <a:tabLst/>
-        <a:defRPr b="0" baseline="0" cap="none" i="0" spc="0" strike="noStrike" sz="1800" u="none">
+        <a:defRPr sz="1800" b="0" i="0" u="none" strike="noStrike" cap="none" spc="0" baseline="0">
           <a:ln>
             <a:noFill/>
           </a:ln>
@@ -2833,7 +2931,7 @@
         <a:buFontTx/>
         <a:buNone/>
         <a:tabLst/>
-        <a:defRPr b="0" baseline="0" cap="none" i="0" spc="0" strike="noStrike" sz="1800" u="none">
+        <a:defRPr sz="1800" b="0" i="0" u="none" strike="noStrike" cap="none" spc="0" baseline="0">
           <a:ln>
             <a:noFill/>
           </a:ln>
@@ -2862,7 +2960,7 @@
         <a:buFontTx/>
         <a:buNone/>
         <a:tabLst/>
-        <a:defRPr b="0" baseline="0" cap="none" i="0" spc="0" strike="noStrike" sz="1800" u="none">
+        <a:defRPr sz="1800" b="0" i="0" u="none" strike="noStrike" cap="none" spc="0" baseline="0">
           <a:ln>
             <a:noFill/>
           </a:ln>
@@ -2891,7 +2989,7 @@
         <a:buFontTx/>
         <a:buNone/>
         <a:tabLst/>
-        <a:defRPr b="0" baseline="0" cap="none" i="0" spc="0" strike="noStrike" sz="1800" u="none">
+        <a:defRPr sz="1800" b="0" i="0" u="none" strike="noStrike" cap="none" spc="0" baseline="0">
           <a:ln>
             <a:noFill/>
           </a:ln>
@@ -2920,7 +3018,7 @@
         <a:buFontTx/>
         <a:buNone/>
         <a:tabLst/>
-        <a:defRPr b="0" baseline="0" cap="none" i="0" spc="0" strike="noStrike" sz="1800" u="none">
+        <a:defRPr sz="1800" b="0" i="0" u="none" strike="noStrike" cap="none" spc="0" baseline="0">
           <a:ln>
             <a:noFill/>
           </a:ln>
@@ -2949,7 +3047,7 @@
         <a:buFontTx/>
         <a:buNone/>
         <a:tabLst/>
-        <a:defRPr b="0" baseline="0" cap="none" i="0" spc="0" strike="noStrike" sz="1800" u="none">
+        <a:defRPr sz="1800" b="0" i="0" u="none" strike="noStrike" cap="none" spc="0" baseline="0">
           <a:ln>
             <a:noFill/>
           </a:ln>
@@ -2969,7 +3067,7 @@
 </file>
 
 <file path=ppt/slides/slide1.xml><?xml version="1.0" encoding="utf-8"?>
-<p:sld xmlns:a="http://schemas.openxmlformats.org/drawingml/2006/main" xmlns:r="http://schemas.openxmlformats.org/officeDocument/2006/relationships" xmlns:p="http://schemas.openxmlformats.org/presentationml/2006/main" showMasterSp="1" showMasterPhAnim="1">
+<p:sld xmlns:a="http://schemas.openxmlformats.org/drawingml/2006/main" xmlns:r="http://schemas.openxmlformats.org/officeDocument/2006/relationships" xmlns:p="http://schemas.openxmlformats.org/presentationml/2006/main">
   <p:cSld>
     <p:spTree>
       <p:nvGrpSpPr>
@@ -2988,7 +3086,9 @@
       <p:sp>
         <p:nvSpPr>
           <p:cNvPr id="119" name="Course Organization"/>
-          <p:cNvSpPr txBox="1"/>
+          <p:cNvSpPr txBox="1">
+            <a:spLocks noGrp="1"/>
+          </p:cNvSpPr>
           <p:nvPr>
             <p:ph type="ctrTitle"/>
           </p:nvPr>
@@ -3002,8 +3102,8 @@
           <a:bodyPr/>
           <a:lstStyle/>
           <a:p>
-            <a:pPr/>
-            <a:r>
+            <a:r>
+              <a:rPr dirty="0"/>
               <a:t>Course Organization</a:t>
             </a:r>
           </a:p>
@@ -3012,15 +3112,17 @@
       <p:sp>
         <p:nvSpPr>
           <p:cNvPr id="120" name="Haidar Osman…"/>
-          <p:cNvSpPr txBox="1"/>
+          <p:cNvSpPr txBox="1">
+            <a:spLocks noGrp="1"/>
+          </p:cNvSpPr>
           <p:nvPr>
             <p:ph type="subTitle" sz="quarter" idx="1"/>
           </p:nvPr>
         </p:nvSpPr>
         <p:spPr>
           <a:xfrm>
-            <a:off x="114300" y="8408937"/>
-            <a:ext cx="6356102" cy="1205608"/>
+            <a:off x="114299" y="8408937"/>
+            <a:ext cx="9330325" cy="1205608"/>
           </a:xfrm>
           <a:prstGeom prst="rect">
             <a:avLst/>
@@ -3042,12 +3144,13 @@
               </a:defRPr>
             </a:pPr>
             <a:r>
-              <a:t>Haidar Osman</a:t>
+              <a:rPr lang="en-GB" dirty="0"/>
+              <a:t>Silas Berger (adapted from Haidar Osman)</a:t>
             </a:r>
           </a:p>
           <a:p>
             <a:pPr algn="l">
-              <a:defRPr b="1" i="1" sz="2400">
+              <a:defRPr sz="2400" b="1" i="1">
                 <a:solidFill>
                   <a:srgbClr val="53585F"/>
                 </a:solidFill>
@@ -3058,11 +3161,20 @@
               </a:defRPr>
             </a:pPr>
             <a:r>
-              <a:rPr u="sng">
-                <a:hlinkClick r:id="rId2" invalidUrl="" action="" tgtFrame="" tooltip="" history="1" highlightClick="0" endSnd="0"/>
+              <a:rPr lang="de-CH" u="sng" dirty="0">
+                <a:solidFill>
+                  <a:srgbClr val="0070C0"/>
+                </a:solidFill>
+                <a:hlinkClick r:id="rId2"/>
               </a:rPr>
-              <a:t>http://scg.unibe.ch/staff/Osman</a:t>
-            </a:r>
+              <a:t>silas.berger@students.unibe.ch</a:t>
+            </a:r>
+            <a:endParaRPr u="sng" dirty="0">
+              <a:solidFill>
+                <a:srgbClr val="0070C0"/>
+              </a:solidFill>
+              <a:hlinkClick r:id="rId3"/>
+            </a:endParaRPr>
           </a:p>
         </p:txBody>
       </p:sp>
@@ -3075,7 +3187,7 @@
           <p:nvPr/>
         </p:nvPicPr>
         <p:blipFill>
-          <a:blip r:embed="rId3">
+          <a:blip r:embed="rId4">
             <a:extLst/>
           </a:blip>
           <a:stretch>
@@ -3114,13 +3226,13 @@
           </a:ln>
           <a:extLst>
             <a:ext uri="{C572A759-6A51-4108-AA02-DFA0A04FC94B}">
-              <ma14:wrappingTextBoxFlag xmlns:ma14="http://schemas.microsoft.com/office/mac/drawingml/2011/main" val="1"/>
+              <ma14:wrappingTextBoxFlag xmlns:ma14="http://schemas.microsoft.com/office/mac/drawingml/2011/main" xmlns="" val="1"/>
             </a:ext>
           </a:extLst>
         </p:spPr>
         <p:txBody>
           <a:bodyPr lIns="50800" tIns="50800" rIns="50800" bIns="50800">
-            <a:normAutofit fontScale="100000" lnSpcReduction="0"/>
+            <a:normAutofit/>
           </a:bodyPr>
           <a:lstStyle>
             <a:lvl1pPr defTabSz="578358">
@@ -3133,10 +3245,15 @@
             </a:lvl1pPr>
           </a:lstStyle>
           <a:p>
-            <a:pPr/>
-            <a:r>
-              <a:t>ESE 2016</a:t>
-            </a:r>
+            <a:r>
+              <a:rPr dirty="0"/>
+              <a:t>ESE 201</a:t>
+            </a:r>
+            <a:r>
+              <a:rPr lang="de-CH" dirty="0"/>
+              <a:t>7</a:t>
+            </a:r>
+            <a:endParaRPr dirty="0"/>
           </a:p>
         </p:txBody>
       </p:sp>
@@ -3145,12 +3262,12 @@
   <p:clrMapOvr>
     <a:masterClrMapping/>
   </p:clrMapOvr>
-  <p:transition xmlns:p14="http://schemas.microsoft.com/office/powerpoint/2010/main" spd="med" advClick="1"/>
+  <p:transition spd="med"/>
 </p:sld>
 </file>
 
 <file path=ppt/slides/slide2.xml><?xml version="1.0" encoding="utf-8"?>
-<p:sld xmlns:a="http://schemas.openxmlformats.org/drawingml/2006/main" xmlns:r="http://schemas.openxmlformats.org/officeDocument/2006/relationships" xmlns:p="http://schemas.openxmlformats.org/presentationml/2006/main" showMasterSp="1" showMasterPhAnim="1">
+<p:sld xmlns:a="http://schemas.openxmlformats.org/drawingml/2006/main" xmlns:r="http://schemas.openxmlformats.org/officeDocument/2006/relationships" xmlns:p="http://schemas.openxmlformats.org/presentationml/2006/main">
   <p:cSld>
     <p:spTree>
       <p:nvGrpSpPr>
@@ -3168,338 +3285,107 @@
       </p:grpSpPr>
       <p:sp>
         <p:nvSpPr>
-          <p:cNvPr id="124" name="When?…"/>
-          <p:cNvSpPr txBox="1"/>
+          <p:cNvPr id="3" name="Textplatzhalter 2">
+            <a:extLst>
+              <a:ext uri="{FF2B5EF4-FFF2-40B4-BE49-F238E27FC236}">
+                <a16:creationId xmlns:a16="http://schemas.microsoft.com/office/drawing/2014/main" id="{3104FA2B-69AD-448F-9D7B-800193AE0896}"/>
+              </a:ext>
+            </a:extLst>
+          </p:cNvPr>
+          <p:cNvSpPr>
+            <a:spLocks noGrp="1"/>
+          </p:cNvSpPr>
           <p:nvPr>
             <p:ph type="body" idx="1"/>
           </p:nvPr>
         </p:nvSpPr>
         <p:spPr>
           <a:xfrm>
-            <a:off x="952500" y="299888"/>
-            <a:ext cx="11099800" cy="5364312"/>
+            <a:off x="1040183" y="1164921"/>
+            <a:ext cx="11099800" cy="8154443"/>
           </a:xfrm>
-          <a:prstGeom prst="rect">
-            <a:avLst/>
-          </a:prstGeom>
         </p:spPr>
         <p:txBody>
-          <a:bodyPr/>
+          <a:bodyPr>
+            <a:normAutofit lnSpcReduction="10000"/>
+          </a:bodyPr>
           <a:lstStyle/>
           <a:p>
             <a:pPr marL="0" indent="0">
-              <a:buSzTx/>
-              <a:buNone/>
-              <a:defRPr b="1">
-                <a:latin typeface="Helvetica"/>
-                <a:ea typeface="Helvetica"/>
-                <a:cs typeface="Helvetica"/>
-                <a:sym typeface="Helvetica"/>
-              </a:defRPr>
-            </a:pPr>
-            <a:r>
-              <a:t>When?</a:t>
-            </a:r>
-          </a:p>
-          <a:p>
-            <a:pPr lvl="1" marL="0" indent="228600">
-              <a:buSzTx/>
               <a:buNone/>
             </a:pPr>
             <a:r>
+              <a:rPr lang="en-US" b="1" dirty="0">
+                <a:latin typeface="Helvetica" panose="020B0604020202020204" pitchFamily="34" charset="0"/>
+                <a:cs typeface="Helvetica" panose="020B0604020202020204" pitchFamily="34" charset="0"/>
+              </a:rPr>
+              <a:t>When?</a:t>
+            </a:r>
+          </a:p>
+          <a:p>
+            <a:r>
+              <a:rPr lang="en-US" dirty="0"/>
               <a:t>Lecture:    Wednesday 14:15 - 16:00</a:t>
             </a:r>
           </a:p>
           <a:p>
-            <a:pPr lvl="1" marL="0" indent="228600">
-              <a:buSzTx/>
+            <a:r>
+              <a:rPr lang="en-US" dirty="0"/>
+              <a:t>Exercise :  Wednesday 16:15 - 17:00</a:t>
+            </a:r>
+          </a:p>
+          <a:p>
+            <a:pPr marL="0" indent="0">
               <a:buNone/>
             </a:pPr>
-            <a:r>
-              <a:t>Exercise :  Wednesday 16:15 - 17:00</a:t>
-            </a:r>
+            <a:endParaRPr lang="en-US" dirty="0"/>
           </a:p>
           <a:p>
             <a:pPr marL="0" indent="0">
-              <a:buSzTx/>
               <a:buNone/>
             </a:pPr>
-          </a:p>
-          <a:p>
-            <a:pPr marL="0" indent="0">
-              <a:buSzTx/>
-              <a:buNone/>
-              <a:defRPr b="1">
-                <a:latin typeface="Helvetica"/>
-                <a:ea typeface="Helvetica"/>
-                <a:cs typeface="Helvetica"/>
-                <a:sym typeface="Helvetica"/>
-              </a:defRPr>
-            </a:pPr>
-            <a:r>
+            <a:r>
+              <a:rPr lang="en-US" b="1" dirty="0">
+                <a:latin typeface="Helvetica" panose="020B0604020202020204" pitchFamily="34" charset="0"/>
+                <a:cs typeface="Helvetica" panose="020B0604020202020204" pitchFamily="34" charset="0"/>
+              </a:rPr>
               <a:t>Who?</a:t>
             </a:r>
+          </a:p>
+          <a:p>
+            <a:r>
+              <a:rPr lang="en-US" dirty="0"/>
+              <a:t>Manuel Leuenberger</a:t>
+            </a:r>
+          </a:p>
+          <a:p>
+            <a:r>
+              <a:rPr lang="en-US" dirty="0"/>
+              <a:t>Mathias Fuchs</a:t>
+            </a:r>
+          </a:p>
+          <a:p>
+            <a:r>
+              <a:rPr lang="en-US" dirty="0"/>
+              <a:t>Silas Berger</a:t>
+            </a:r>
+          </a:p>
+          <a:p>
+            <a:endParaRPr lang="de-CH" dirty="0"/>
           </a:p>
         </p:txBody>
       </p:sp>
-      <p:grpSp>
-        <p:nvGrpSpPr>
-          <p:cNvPr id="127" name="Group"/>
-          <p:cNvGrpSpPr/>
-          <p:nvPr/>
-        </p:nvGrpSpPr>
-        <p:grpSpPr>
-          <a:xfrm>
-            <a:off x="94411" y="5800725"/>
-            <a:ext cx="3315159" cy="3286126"/>
-            <a:chOff x="0" y="0"/>
-            <a:chExt cx="3315157" cy="3286125"/>
-          </a:xfrm>
-        </p:grpSpPr>
-        <p:pic>
-          <p:nvPicPr>
-            <p:cNvPr id="125" name="HaidarOsman3.png" descr="HaidarOsman3.png"/>
-            <p:cNvPicPr>
-              <a:picLocks noChangeAspect="1"/>
-            </p:cNvPicPr>
-            <p:nvPr/>
-          </p:nvPicPr>
-          <p:blipFill>
-            <a:blip r:embed="rId2">
-              <a:extLst/>
-            </a:blip>
-            <a:stretch>
-              <a:fillRect/>
-            </a:stretch>
-          </p:blipFill>
-          <p:spPr>
-            <a:xfrm>
-              <a:off x="373327" y="0"/>
-              <a:ext cx="2568503" cy="2667000"/>
-            </a:xfrm>
-            <a:prstGeom prst="rect">
-              <a:avLst/>
-            </a:prstGeom>
-            <a:ln w="12700" cap="flat">
-              <a:noFill/>
-              <a:miter lim="400000"/>
-            </a:ln>
-            <a:effectLst/>
-          </p:spPr>
-        </p:pic>
-        <p:sp>
-          <p:nvSpPr>
-            <p:cNvPr id="126" name="Haidar Osman"/>
-            <p:cNvSpPr txBox="1"/>
-            <p:nvPr/>
-          </p:nvSpPr>
-          <p:spPr>
-            <a:xfrm>
-              <a:off x="0" y="2638425"/>
-              <a:ext cx="3315158" cy="647701"/>
-            </a:xfrm>
-            <a:prstGeom prst="rect">
-              <a:avLst/>
-            </a:prstGeom>
-            <a:noFill/>
-            <a:ln w="12700" cap="flat">
-              <a:noFill/>
-              <a:miter lim="400000"/>
-            </a:ln>
-            <a:effectLst/>
-            <a:extLst>
-              <a:ext uri="{C572A759-6A51-4108-AA02-DFA0A04FC94B}">
-                <ma14:wrappingTextBoxFlag xmlns:ma14="http://schemas.microsoft.com/office/mac/drawingml/2011/main" val="1"/>
-              </a:ext>
-            </a:extLst>
-          </p:spPr>
-          <p:txBody>
-            <a:bodyPr wrap="none" lIns="50800" tIns="50800" rIns="50800" bIns="50800" numCol="1" anchor="ctr">
-              <a:spAutoFit/>
-            </a:bodyPr>
-            <a:lstStyle/>
-            <a:p>
-              <a:pPr lvl="1" algn="l">
-                <a:spcBef>
-                  <a:spcPts val="4200"/>
-                </a:spcBef>
-              </a:pPr>
-              <a:r>
-                <a:t>Haidar Osman</a:t>
-              </a:r>
-            </a:p>
-          </p:txBody>
-        </p:sp>
-      </p:grpSp>
-      <p:grpSp>
-        <p:nvGrpSpPr>
-          <p:cNvPr id="130" name="Group"/>
-          <p:cNvGrpSpPr/>
-          <p:nvPr/>
-        </p:nvGrpSpPr>
-        <p:grpSpPr>
-          <a:xfrm>
-            <a:off x="4252163" y="5793878"/>
-            <a:ext cx="3560674" cy="3299819"/>
-            <a:chOff x="0" y="0"/>
-            <a:chExt cx="3560673" cy="3299817"/>
-          </a:xfrm>
-        </p:grpSpPr>
-        <p:pic>
-          <p:nvPicPr>
-            <p:cNvPr id="128" name="pasted-image.jpg" descr="pasted-image.jpg"/>
-            <p:cNvPicPr>
-              <a:picLocks noChangeAspect="1"/>
-            </p:cNvPicPr>
-            <p:nvPr/>
-          </p:nvPicPr>
-          <p:blipFill>
-            <a:blip r:embed="rId3">
-              <a:extLst/>
-            </a:blip>
-            <a:stretch>
-              <a:fillRect/>
-            </a:stretch>
-          </p:blipFill>
-          <p:spPr>
-            <a:xfrm>
-              <a:off x="446837" y="0"/>
-              <a:ext cx="2667001" cy="2667000"/>
-            </a:xfrm>
-            <a:prstGeom prst="rect">
-              <a:avLst/>
-            </a:prstGeom>
-            <a:ln w="12700" cap="flat">
-              <a:noFill/>
-              <a:miter lim="400000"/>
-            </a:ln>
-            <a:effectLst/>
-          </p:spPr>
-        </p:pic>
-        <p:sp>
-          <p:nvSpPr>
-            <p:cNvPr id="129" name="Claudio Corrodi"/>
-            <p:cNvSpPr txBox="1"/>
-            <p:nvPr/>
-          </p:nvSpPr>
-          <p:spPr>
-            <a:xfrm>
-              <a:off x="0" y="2652117"/>
-              <a:ext cx="3560674" cy="647701"/>
-            </a:xfrm>
-            <a:prstGeom prst="rect">
-              <a:avLst/>
-            </a:prstGeom>
-            <a:noFill/>
-            <a:ln w="12700" cap="flat">
-              <a:noFill/>
-              <a:miter lim="400000"/>
-            </a:ln>
-            <a:effectLst/>
-            <a:extLst>
-              <a:ext uri="{C572A759-6A51-4108-AA02-DFA0A04FC94B}">
-                <ma14:wrappingTextBoxFlag xmlns:ma14="http://schemas.microsoft.com/office/mac/drawingml/2011/main" val="1"/>
-              </a:ext>
-            </a:extLst>
-          </p:spPr>
-          <p:txBody>
-            <a:bodyPr wrap="none" lIns="50800" tIns="50800" rIns="50800" bIns="50800" numCol="1" anchor="ctr">
-              <a:spAutoFit/>
-            </a:bodyPr>
-            <a:lstStyle/>
-            <a:p>
-              <a:pPr lvl="1" algn="l">
-                <a:spcBef>
-                  <a:spcPts val="4200"/>
-                </a:spcBef>
-              </a:pPr>
-              <a:r>
-                <a:t>Claudio Corrodi</a:t>
-              </a:r>
-            </a:p>
-          </p:txBody>
-        </p:sp>
-      </p:grpSp>
-      <p:sp>
-        <p:nvSpPr>
-          <p:cNvPr id="131" name="Manuel Leuenberger"/>
-          <p:cNvSpPr txBox="1"/>
-          <p:nvPr/>
-        </p:nvSpPr>
-        <p:spPr>
-          <a:xfrm>
-            <a:off x="8197012" y="8426450"/>
-            <a:ext cx="4611777" cy="647701"/>
-          </a:xfrm>
-          <a:prstGeom prst="rect">
-            <a:avLst/>
-          </a:prstGeom>
-          <a:ln w="12700">
-            <a:miter lim="400000"/>
-          </a:ln>
-          <a:extLst>
-            <a:ext uri="{C572A759-6A51-4108-AA02-DFA0A04FC94B}">
-              <ma14:wrappingTextBoxFlag xmlns:ma14="http://schemas.microsoft.com/office/mac/drawingml/2011/main" val="1"/>
-            </a:ext>
-          </a:extLst>
-        </p:spPr>
-        <p:txBody>
-          <a:bodyPr wrap="none" lIns="50800" tIns="50800" rIns="50800" bIns="50800" anchor="ctr">
-            <a:spAutoFit/>
-          </a:bodyPr>
-          <a:lstStyle/>
-          <a:p>
-            <a:pPr lvl="1" algn="l">
-              <a:spcBef>
-                <a:spcPts val="4200"/>
-              </a:spcBef>
-            </a:pPr>
-            <a:r>
-              <a:t>Manuel Leuenberger</a:t>
-            </a:r>
-          </a:p>
-        </p:txBody>
-      </p:sp>
-      <p:pic>
-        <p:nvPicPr>
-          <p:cNvPr id="132" name="Manuel Leuenberger.png" descr="Manuel Leuenberger.png"/>
-          <p:cNvPicPr>
-            <a:picLocks noChangeAspect="1"/>
-          </p:cNvPicPr>
-          <p:nvPr/>
-        </p:nvPicPr>
-        <p:blipFill>
-          <a:blip r:embed="rId4">
-            <a:extLst/>
-          </a:blip>
-          <a:stretch>
-            <a:fillRect/>
-          </a:stretch>
-        </p:blipFill>
-        <p:spPr>
-          <a:xfrm>
-            <a:off x="9632546" y="5713958"/>
-            <a:ext cx="1922494" cy="2662734"/>
-          </a:xfrm>
-          <a:prstGeom prst="rect">
-            <a:avLst/>
-          </a:prstGeom>
-          <a:ln w="12700">
-            <a:miter lim="400000"/>
-          </a:ln>
-        </p:spPr>
-      </p:pic>
     </p:spTree>
   </p:cSld>
   <p:clrMapOvr>
     <a:masterClrMapping/>
   </p:clrMapOvr>
-  <p:transition xmlns:p14="http://schemas.microsoft.com/office/powerpoint/2010/main" spd="med" advClick="1"/>
+  <p:transition spd="med"/>
 </p:sld>
 </file>
 
 <file path=ppt/slides/slide3.xml><?xml version="1.0" encoding="utf-8"?>
-<p:sld xmlns:a="http://schemas.openxmlformats.org/drawingml/2006/main" xmlns:r="http://schemas.openxmlformats.org/officeDocument/2006/relationships" xmlns:p="http://schemas.openxmlformats.org/presentationml/2006/main" showMasterSp="1" showMasterPhAnim="1">
+<p:sld xmlns:a="http://schemas.openxmlformats.org/drawingml/2006/main" xmlns:r="http://schemas.openxmlformats.org/officeDocument/2006/relationships" xmlns:p="http://schemas.openxmlformats.org/presentationml/2006/main">
   <p:cSld>
     <p:spTree>
       <p:nvGrpSpPr>
@@ -3518,7 +3404,9 @@
       <p:sp>
         <p:nvSpPr>
           <p:cNvPr id="134" name="Project"/>
-          <p:cNvSpPr txBox="1"/>
+          <p:cNvSpPr txBox="1">
+            <a:spLocks noGrp="1"/>
+          </p:cNvSpPr>
           <p:nvPr>
             <p:ph type="title"/>
           </p:nvPr>
@@ -3532,7 +3420,6 @@
           <a:bodyPr/>
           <a:lstStyle/>
           <a:p>
-            <a:pPr/>
             <a:r>
               <a:t>Project</a:t>
             </a:r>
@@ -3542,7 +3429,9 @@
       <p:sp>
         <p:nvSpPr>
           <p:cNvPr id="135" name="Project: Website for Real Estate…"/>
-          <p:cNvSpPr txBox="1"/>
+          <p:cNvSpPr txBox="1">
+            <a:spLocks noGrp="1"/>
+          </p:cNvSpPr>
           <p:nvPr>
             <p:ph type="body" sz="half" idx="1"/>
           </p:nvPr>
@@ -3567,7 +3456,7 @@
               <a:defRPr sz="3298"/>
             </a:pPr>
             <a:r>
-              <a:rPr b="1">
+              <a:rPr lang="en-GB" b="1" dirty="0">
                 <a:latin typeface="Helvetica"/>
                 <a:ea typeface="Helvetica"/>
                 <a:cs typeface="Helvetica"/>
@@ -3576,7 +3465,8 @@
               <a:t>Project:</a:t>
             </a:r>
             <a:r>
-              <a:t> Website for Real Estate </a:t>
+              <a:rPr lang="en-GB" dirty="0"/>
+              <a:t> Web-Tool for Transport Management </a:t>
             </a:r>
           </a:p>
           <a:p>
@@ -3587,7 +3477,7 @@
               <a:defRPr sz="3298"/>
             </a:pPr>
             <a:r>
-              <a:rPr b="1">
+              <a:rPr lang="en-GB" b="1" dirty="0">
                 <a:latin typeface="Helvetica"/>
                 <a:ea typeface="Helvetica"/>
                 <a:cs typeface="Helvetica"/>
@@ -3596,6 +3486,7 @@
               <a:t>Platform:</a:t>
             </a:r>
             <a:r>
+              <a:rPr lang="en-GB" dirty="0"/>
               <a:t> J2EE</a:t>
             </a:r>
           </a:p>
@@ -3607,7 +3498,7 @@
               <a:defRPr sz="3298"/>
             </a:pPr>
             <a:r>
-              <a:rPr b="1">
+              <a:rPr lang="en-GB" b="1" dirty="0">
                 <a:latin typeface="Helvetica"/>
                 <a:ea typeface="Helvetica"/>
                 <a:cs typeface="Helvetica"/>
@@ -3616,7 +3507,16 @@
               <a:t>Frameworks &amp; Tools:</a:t>
             </a:r>
             <a:r>
-              <a:t> Spring (MVC, Data, Security), Maven, MySql, Git</a:t>
+              <a:rPr lang="en-GB" dirty="0"/>
+              <a:t> Spring (MVC, Data, Security), Maven, </a:t>
+            </a:r>
+            <a:r>
+              <a:rPr lang="en-GB" dirty="0" err="1"/>
+              <a:t>MySql</a:t>
+            </a:r>
+            <a:r>
+              <a:rPr lang="en-GB" dirty="0"/>
+              <a:t>, Git</a:t>
             </a:r>
           </a:p>
           <a:p>
@@ -3627,7 +3527,7 @@
               <a:defRPr sz="3298"/>
             </a:pPr>
             <a:r>
-              <a:rPr b="1">
+              <a:rPr lang="en-GB" b="1" dirty="0">
                 <a:latin typeface="Helvetica"/>
                 <a:ea typeface="Helvetica"/>
                 <a:cs typeface="Helvetica"/>
@@ -3636,6 +3536,7 @@
               <a:t>Customer:</a:t>
             </a:r>
             <a:r>
+              <a:rPr lang="en-GB" dirty="0"/>
               <a:t> ESE Assistants</a:t>
             </a:r>
           </a:p>
@@ -3647,7 +3548,7 @@
               <a:defRPr sz="3298"/>
             </a:pPr>
             <a:r>
-              <a:rPr b="1">
+              <a:rPr lang="en-GB" b="1" dirty="0">
                 <a:latin typeface="Helvetica"/>
                 <a:ea typeface="Helvetica"/>
                 <a:cs typeface="Helvetica"/>
@@ -3656,6 +3557,7 @@
               <a:t>Team size:</a:t>
             </a:r>
             <a:r>
+              <a:rPr lang="en-GB" dirty="0"/>
               <a:t> 4/5 members</a:t>
             </a:r>
           </a:p>
@@ -3869,12 +3771,12 @@
   <p:clrMapOvr>
     <a:masterClrMapping/>
   </p:clrMapOvr>
-  <p:transition xmlns:p14="http://schemas.microsoft.com/office/powerpoint/2010/main" spd="med" advClick="1"/>
+  <p:transition spd="med"/>
 </p:sld>
 </file>
 
 <file path=ppt/slides/slide4.xml><?xml version="1.0" encoding="utf-8"?>
-<p:sld xmlns:a="http://schemas.openxmlformats.org/drawingml/2006/main" xmlns:r="http://schemas.openxmlformats.org/officeDocument/2006/relationships" xmlns:p="http://schemas.openxmlformats.org/presentationml/2006/main" showMasterSp="1" showMasterPhAnim="1">
+<p:sld xmlns:a="http://schemas.openxmlformats.org/drawingml/2006/main" xmlns:r="http://schemas.openxmlformats.org/officeDocument/2006/relationships" xmlns:p="http://schemas.openxmlformats.org/presentationml/2006/main">
   <p:cSld>
     <p:spTree>
       <p:nvGrpSpPr>
@@ -3893,7 +3795,9 @@
       <p:sp>
         <p:nvSpPr>
           <p:cNvPr id="144" name="Final Grade…"/>
-          <p:cNvSpPr txBox="1"/>
+          <p:cNvSpPr txBox="1">
+            <a:spLocks noGrp="1"/>
+          </p:cNvSpPr>
           <p:nvPr>
             <p:ph type="body" sz="half" idx="1"/>
           </p:nvPr>
@@ -3913,7 +3817,7 @@
               </a:spcBef>
               <a:buSzTx/>
               <a:buNone/>
-              <a:defRPr b="1" sz="3168">
+              <a:defRPr sz="3168" b="1">
                 <a:latin typeface="Helvetica"/>
                 <a:ea typeface="Helvetica"/>
                 <a:cs typeface="Helvetica"/>
@@ -3921,11 +3825,12 @@
               </a:defRPr>
             </a:pPr>
             <a:r>
+              <a:rPr dirty="0"/>
               <a:t>Final Grade</a:t>
             </a:r>
           </a:p>
           <a:p>
-            <a:pPr lvl="1" marL="0" indent="201168" defTabSz="514095">
+            <a:pPr marL="0" lvl="1" indent="201168" defTabSz="514095">
               <a:spcBef>
                 <a:spcPts val="3600"/>
               </a:spcBef>
@@ -3934,11 +3839,12 @@
               <a:defRPr sz="3168"/>
             </a:pPr>
             <a:r>
+              <a:rPr dirty="0"/>
               <a:t>60% Final Exam</a:t>
             </a:r>
           </a:p>
           <a:p>
-            <a:pPr lvl="1" marL="0" indent="201168" defTabSz="514095">
+            <a:pPr marL="0" lvl="1" indent="201168" defTabSz="514095">
               <a:spcBef>
                 <a:spcPts val="3600"/>
               </a:spcBef>
@@ -3947,11 +3853,12 @@
               <a:defRPr sz="3168"/>
             </a:pPr>
             <a:r>
+              <a:rPr dirty="0"/>
               <a:t>40% Project</a:t>
             </a:r>
           </a:p>
           <a:p>
-            <a:pPr lvl="1" marL="0" indent="201168" defTabSz="514095">
+            <a:pPr marL="0" lvl="1" indent="201168" defTabSz="514095">
               <a:spcBef>
                 <a:spcPts val="3600"/>
               </a:spcBef>
@@ -3959,6 +3866,7 @@
               <a:buNone/>
               <a:defRPr sz="3168"/>
             </a:pPr>
+            <a:endParaRPr dirty="0"/>
           </a:p>
           <a:p>
             <a:pPr marL="0" indent="0" defTabSz="514095">
@@ -3967,7 +3875,7 @@
               </a:spcBef>
               <a:buSzTx/>
               <a:buNone/>
-              <a:defRPr b="1" sz="3168">
+              <a:defRPr sz="3168" b="1">
                 <a:latin typeface="Helvetica"/>
                 <a:ea typeface="Helvetica"/>
                 <a:cs typeface="Helvetica"/>
@@ -3975,11 +3883,13 @@
               </a:defRPr>
             </a:pPr>
             <a:r>
+              <a:rPr dirty="0"/>
               <a:t>Project Evaluation</a:t>
             </a:r>
-          </a:p>
-          <a:p>
-            <a:pPr lvl="1" marL="0" indent="201168" defTabSz="514095">
+            <a:endParaRPr lang="de-CH" dirty="0"/>
+          </a:p>
+          <a:p>
+            <a:pPr marL="0" lvl="1" indent="201168" defTabSz="514095">
               <a:spcBef>
                 <a:spcPts val="3600"/>
               </a:spcBef>
@@ -3988,15 +3898,51 @@
               <a:defRPr sz="3168"/>
             </a:pPr>
             <a:r>
-              <a:t>code, design, functionality, usability, documentation, presentation</a:t>
-            </a:r>
+              <a:rPr lang="de-CH" dirty="0" err="1"/>
+              <a:t>code</a:t>
+            </a:r>
+            <a:r>
+              <a:rPr lang="de-CH" dirty="0"/>
+              <a:t>, design, </a:t>
+            </a:r>
+            <a:r>
+              <a:rPr lang="de-CH" dirty="0" err="1"/>
+              <a:t>functionality</a:t>
+            </a:r>
+            <a:r>
+              <a:rPr lang="de-CH" dirty="0"/>
+              <a:t>, </a:t>
+            </a:r>
+            <a:r>
+              <a:rPr lang="de-CH" dirty="0" err="1"/>
+              <a:t>usability</a:t>
+            </a:r>
+            <a:r>
+              <a:rPr lang="de-CH" dirty="0"/>
+              <a:t>, </a:t>
+            </a:r>
+            <a:r>
+              <a:rPr lang="de-CH" dirty="0" err="1"/>
+              <a:t>documentation</a:t>
+            </a:r>
+            <a:r>
+              <a:rPr lang="de-CH" dirty="0"/>
+              <a:t>, </a:t>
+            </a:r>
+            <a:r>
+              <a:rPr lang="de-CH" dirty="0" err="1"/>
+              <a:t>presentation</a:t>
+            </a:r>
+            <a:endParaRPr lang="de-CH" dirty="0"/>
           </a:p>
         </p:txBody>
       </p:sp>
       <p:sp>
         <p:nvSpPr>
           <p:cNvPr id="145" name="Grading"/>
-          <p:cNvSpPr txBox="1"/>
+          <p:cNvSpPr txBox="1">
+            <a:spLocks noGrp="1"/>
+          </p:cNvSpPr>
           <p:nvPr>
             <p:ph type="title"/>
           </p:nvPr>
@@ -4010,8 +3956,8 @@
           <a:bodyPr/>
           <a:lstStyle/>
           <a:p>
-            <a:pPr/>
-            <a:r>
+            <a:r>
+              <a:rPr dirty="0"/>
               <a:t>Grading</a:t>
             </a:r>
           </a:p>
@@ -4051,12 +3997,12 @@
   <p:clrMapOvr>
     <a:masterClrMapping/>
   </p:clrMapOvr>
-  <p:transition xmlns:p14="http://schemas.microsoft.com/office/powerpoint/2010/main" spd="med" advClick="1"/>
+  <p:transition spd="med"/>
 </p:sld>
 </file>
 
 <file path=ppt/slides/slide5.xml><?xml version="1.0" encoding="utf-8"?>
-<p:sld xmlns:a="http://schemas.openxmlformats.org/drawingml/2006/main" xmlns:r="http://schemas.openxmlformats.org/officeDocument/2006/relationships" xmlns:p="http://schemas.openxmlformats.org/presentationml/2006/main" showMasterSp="1" showMasterPhAnim="1">
+<p:sld xmlns:a="http://schemas.openxmlformats.org/drawingml/2006/main" xmlns:r="http://schemas.openxmlformats.org/officeDocument/2006/relationships" xmlns:p="http://schemas.openxmlformats.org/presentationml/2006/main">
   <p:cSld>
     <p:spTree>
       <p:nvGrpSpPr>
@@ -4075,7 +4021,9 @@
       <p:sp>
         <p:nvSpPr>
           <p:cNvPr id="148" name="Links"/>
-          <p:cNvSpPr txBox="1"/>
+          <p:cNvSpPr txBox="1">
+            <a:spLocks noGrp="1"/>
+          </p:cNvSpPr>
           <p:nvPr>
             <p:ph type="title"/>
           </p:nvPr>
@@ -4089,8 +4037,8 @@
           <a:bodyPr/>
           <a:lstStyle/>
           <a:p>
-            <a:pPr/>
-            <a:r>
+            <a:r>
+              <a:rPr dirty="0"/>
               <a:t>Links</a:t>
             </a:r>
           </a:p>
@@ -4099,7 +4047,9 @@
       <p:sp>
         <p:nvSpPr>
           <p:cNvPr id="149" name="Lectures: http://scg.unibe.ch/teaching/ese…"/>
-          <p:cNvSpPr txBox="1"/>
+          <p:cNvSpPr txBox="1">
+            <a:spLocks noGrp="1"/>
+          </p:cNvSpPr>
           <p:nvPr>
             <p:ph type="body" idx="1"/>
           </p:nvPr>
@@ -4117,68 +4067,102 @@
           <a:bodyPr/>
           <a:lstStyle/>
           <a:p>
-            <a:pPr lvl="1" marL="0" indent="228600">
+            <a:pPr marL="0" lvl="1" indent="228600">
               <a:buSzTx/>
               <a:buNone/>
               <a:defRPr sz="3200"/>
             </a:pPr>
             <a:r>
+              <a:rPr dirty="0"/>
               <a:t>Lectures: </a:t>
             </a:r>
             <a:r>
-              <a:rPr u="sng">
-                <a:hlinkClick r:id="rId2" invalidUrl="" action="" tgtFrame="" tooltip="" history="1" highlightClick="0" endSnd="0"/>
+              <a:rPr u="sng" dirty="0">
+                <a:solidFill>
+                  <a:srgbClr val="0070C0"/>
+                </a:solidFill>
+                <a:hlinkClick r:id="rId2"/>
               </a:rPr>
               <a:t>http://scg.unibe.ch/teaching/ese</a:t>
             </a:r>
           </a:p>
           <a:p>
-            <a:pPr lvl="1" marL="0" indent="228600">
+            <a:pPr marL="0" lvl="1" indent="228600">
               <a:buSzTx/>
               <a:buNone/>
               <a:defRPr sz="3200"/>
             </a:pPr>
             <a:r>
+              <a:rPr dirty="0"/>
               <a:t>Project Material:    </a:t>
             </a:r>
             <a:r>
-              <a:rPr u="sng">
-                <a:hlinkClick r:id="rId3" invalidUrl="" action="" tgtFrame="" tooltip="" history="1" highlightClick="0" endSnd="0"/>
+              <a:rPr u="sng" dirty="0">
+                <a:hlinkClick r:id="rId3"/>
               </a:rPr>
-              <a:t>https://github.com/scg-unibe-ch/ese2016</a:t>
-            </a:r>
-          </a:p>
-          <a:p>
-            <a:pPr lvl="1" marL="0" indent="228600">
+              <a:t>https://github.com/scg-unibe-ch/ese201</a:t>
+            </a:r>
+            <a:r>
+              <a:rPr lang="de-CH" u="sng" dirty="0">
+                <a:hlinkClick r:id="rId3"/>
+              </a:rPr>
+              <a:t>7</a:t>
+            </a:r>
+            <a:endParaRPr u="sng" dirty="0">
+              <a:hlinkClick r:id="rId4"/>
+            </a:endParaRPr>
+          </a:p>
+          <a:p>
+            <a:pPr marL="0" lvl="1" indent="228600">
               <a:buSzTx/>
               <a:buNone/>
               <a:defRPr sz="3200"/>
             </a:pPr>
             <a:r>
+              <a:rPr dirty="0"/>
               <a:t>Project Schedule: </a:t>
             </a:r>
             <a:r>
-              <a:rPr u="sng">
-                <a:hlinkClick r:id="rId4" invalidUrl="" action="" tgtFrame="" tooltip="" history="1" highlightClick="0" endSnd="0"/>
+              <a:rPr u="sng" dirty="0">
+                <a:hlinkClick r:id="rId5"/>
               </a:rPr>
-              <a:t>https://github.com/scg-unibe-ch/ese2016/wiki</a:t>
-            </a:r>
-          </a:p>
-          <a:p>
-            <a:pPr lvl="1" marL="0" indent="228600">
+              <a:t>https://github.com/scg-unibe-ch/ese201</a:t>
+            </a:r>
+            <a:r>
+              <a:rPr lang="de-CH" u="sng" dirty="0">
+                <a:hlinkClick r:id="rId5"/>
+              </a:rPr>
+              <a:t>7</a:t>
+            </a:r>
+            <a:r>
+              <a:rPr u="sng" dirty="0">
+                <a:hlinkClick r:id="rId5"/>
+              </a:rPr>
+              <a:t>/wiki</a:t>
+            </a:r>
+            <a:endParaRPr u="sng" dirty="0">
+              <a:hlinkClick r:id="rId6"/>
+            </a:endParaRPr>
+          </a:p>
+          <a:p>
+            <a:pPr marL="0" lvl="1" indent="228600">
               <a:buSzTx/>
               <a:buNone/>
               <a:defRPr sz="3200"/>
             </a:pPr>
             <a:r>
+              <a:rPr dirty="0"/>
               <a:t>Communication: </a:t>
             </a:r>
             <a:r>
-              <a:rPr u="sng">
-                <a:hlinkClick r:id="rId5" invalidUrl="" action="" tgtFrame="" tooltip="" history="1" highlightClick="0" endSnd="0"/>
+              <a:rPr lang="de-CH" u="sng">
+                <a:hlinkClick r:id="rId7"/>
               </a:rPr>
-              <a:t>https://piazza.com/unibe.ch/fall2016/ese2016</a:t>
-            </a:r>
+              <a:t>https://piazza.com/unibe.ch/fall2017/ese2017</a:t>
+            </a:r>
+            <a:endParaRPr u="sng" dirty="0">
+              <a:hlinkClick r:id="rId8"/>
+            </a:endParaRPr>
           </a:p>
         </p:txBody>
       </p:sp>
@@ -4187,12 +4171,12 @@
   <p:clrMapOvr>
     <a:masterClrMapping/>
   </p:clrMapOvr>
-  <p:transition xmlns:p14="http://schemas.microsoft.com/office/powerpoint/2010/main" spd="med" advClick="1"/>
+  <p:transition spd="med"/>
 </p:sld>
 </file>
 
 <file path=ppt/theme/theme1.xml><?xml version="1.0" encoding="utf-8"?>
-<a:theme xmlns:a="http://schemas.openxmlformats.org/drawingml/2006/main" xmlns:r="http://schemas.openxmlformats.org/officeDocument/2006/relationships" name="White">
+<a:theme xmlns:a="http://schemas.openxmlformats.org/drawingml/2006/main" name="White">
   <a:themeElements>
     <a:clrScheme name="White">
       <a:dk1>
@@ -4318,7 +4302,7 @@
       <a:effectStyleLst>
         <a:effectStyle>
           <a:effectLst>
-            <a:outerShdw sx="100000" sy="100000" kx="0" ky="0" algn="b" rotWithShape="0" blurRad="38100" dist="25400" dir="5400000">
+            <a:outerShdw blurRad="38100" dist="25400" dir="5400000" rotWithShape="0">
               <a:srgbClr val="000000">
                 <a:alpha val="50000"/>
               </a:srgbClr>
@@ -4327,7 +4311,7 @@
         </a:effectStyle>
         <a:effectStyle>
           <a:effectLst>
-            <a:outerShdw sx="100000" sy="100000" kx="0" ky="0" algn="b" rotWithShape="0" blurRad="50800" dist="12700" dir="0">
+            <a:outerShdw blurRad="50800" dist="12700" rotWithShape="0">
               <a:srgbClr val="000000">
                 <a:alpha val="50000"/>
               </a:srgbClr>
@@ -4336,7 +4320,7 @@
         </a:effectStyle>
         <a:effectStyle>
           <a:effectLst>
-            <a:outerShdw sx="100000" sy="100000" kx="0" ky="0" algn="b" rotWithShape="0" blurRad="38100" dist="25400" dir="5400000">
+            <a:outerShdw blurRad="38100" dist="25400" dir="5400000" rotWithShape="0">
               <a:srgbClr val="000000">
                 <a:alpha val="50000"/>
               </a:srgbClr>
@@ -4400,8 +4384,8 @@
     <a:spDef>
       <a:spPr>
         <a:blipFill rotWithShape="1">
-          <a:blip r:embed="rId1"/>
-          <a:srcRect l="0" t="0" r="0" b="0"/>
+          <a:blip xmlns:r="http://schemas.openxmlformats.org/officeDocument/2006/relationships" r:embed="rId1"/>
+          <a:srcRect/>
           <a:tile tx="0" ty="0" sx="100000" sy="100000" flip="none" algn="tl"/>
         </a:blipFill>
         <a:ln w="12700" cap="flat">
@@ -4409,7 +4393,7 @@
           <a:miter lim="400000"/>
         </a:ln>
         <a:effectLst>
-          <a:outerShdw sx="100000" sy="100000" kx="0" ky="0" algn="b" rotWithShape="0" blurRad="38100" dist="25400" dir="5400000">
+          <a:outerShdw blurRad="38100" dist="25400" dir="5400000" rotWithShape="0">
             <a:srgbClr val="000000">
               <a:alpha val="50000"/>
             </a:srgbClr>
@@ -4417,7 +4401,7 @@
         </a:effectLst>
         <a:sp3d/>
       </a:spPr>
-      <a:bodyPr rot="0" spcFirstLastPara="1" vertOverflow="overflow" horzOverflow="overflow" vert="horz" wrap="square" lIns="50800" tIns="50800" rIns="50800" bIns="50800" numCol="1" spcCol="38100" rtlCol="0" anchor="ctr" upright="0">
+      <a:bodyPr rot="0" spcFirstLastPara="1" vertOverflow="overflow" horzOverflow="overflow" vert="horz" wrap="square" lIns="50800" tIns="50800" rIns="50800" bIns="50800" numCol="1" spcCol="38100" rtlCol="0" anchor="ctr">
         <a:spAutoFit/>
       </a:bodyPr>
       <a:lstStyle>
@@ -4436,7 +4420,7 @@
           <a:buFontTx/>
           <a:buNone/>
           <a:tabLst/>
-          <a:defRPr b="0" baseline="0" cap="none" i="0" spc="0" strike="noStrike" sz="2400" u="none" kumimoji="0" normalizeH="0">
+          <a:defRPr kumimoji="0" sz="2400" b="0" i="0" u="none" strike="noStrike" cap="none" spc="0" normalizeH="0" baseline="0">
             <a:ln>
               <a:noFill/>
             </a:ln>
@@ -4466,7 +4450,7 @@
           <a:buFontTx/>
           <a:buNone/>
           <a:tabLst/>
-          <a:defRPr b="0" baseline="0" cap="none" i="0" spc="0" strike="noStrike" sz="1800" u="none" kumimoji="0" normalizeH="0">
+          <a:defRPr kumimoji="0" sz="1800" b="0" i="0" u="none" strike="noStrike" cap="none" spc="0" normalizeH="0" baseline="0">
             <a:ln>
               <a:noFill/>
             </a:ln>
@@ -4492,7 +4476,7 @@
           <a:buFontTx/>
           <a:buNone/>
           <a:tabLst/>
-          <a:defRPr b="0" baseline="0" cap="none" i="0" spc="0" strike="noStrike" sz="1800" u="none" kumimoji="0" normalizeH="0">
+          <a:defRPr kumimoji="0" sz="1800" b="0" i="0" u="none" strike="noStrike" cap="none" spc="0" normalizeH="0" baseline="0">
             <a:ln>
               <a:noFill/>
             </a:ln>
@@ -4518,7 +4502,7 @@
           <a:buFontTx/>
           <a:buNone/>
           <a:tabLst/>
-          <a:defRPr b="0" baseline="0" cap="none" i="0" spc="0" strike="noStrike" sz="1800" u="none" kumimoji="0" normalizeH="0">
+          <a:defRPr kumimoji="0" sz="1800" b="0" i="0" u="none" strike="noStrike" cap="none" spc="0" normalizeH="0" baseline="0">
             <a:ln>
               <a:noFill/>
             </a:ln>
@@ -4544,7 +4528,7 @@
           <a:buFontTx/>
           <a:buNone/>
           <a:tabLst/>
-          <a:defRPr b="0" baseline="0" cap="none" i="0" spc="0" strike="noStrike" sz="1800" u="none" kumimoji="0" normalizeH="0">
+          <a:defRPr kumimoji="0" sz="1800" b="0" i="0" u="none" strike="noStrike" cap="none" spc="0" normalizeH="0" baseline="0">
             <a:ln>
               <a:noFill/>
             </a:ln>
@@ -4570,7 +4554,7 @@
           <a:buFontTx/>
           <a:buNone/>
           <a:tabLst/>
-          <a:defRPr b="0" baseline="0" cap="none" i="0" spc="0" strike="noStrike" sz="1800" u="none" kumimoji="0" normalizeH="0">
+          <a:defRPr kumimoji="0" sz="1800" b="0" i="0" u="none" strike="noStrike" cap="none" spc="0" normalizeH="0" baseline="0">
             <a:ln>
               <a:noFill/>
             </a:ln>
@@ -4596,7 +4580,7 @@
           <a:buFontTx/>
           <a:buNone/>
           <a:tabLst/>
-          <a:defRPr b="0" baseline="0" cap="none" i="0" spc="0" strike="noStrike" sz="1800" u="none" kumimoji="0" normalizeH="0">
+          <a:defRPr kumimoji="0" sz="1800" b="0" i="0" u="none" strike="noStrike" cap="none" spc="0" normalizeH="0" baseline="0">
             <a:ln>
               <a:noFill/>
             </a:ln>
@@ -4622,7 +4606,7 @@
           <a:buFontTx/>
           <a:buNone/>
           <a:tabLst/>
-          <a:defRPr b="0" baseline="0" cap="none" i="0" spc="0" strike="noStrike" sz="1800" u="none" kumimoji="0" normalizeH="0">
+          <a:defRPr kumimoji="0" sz="1800" b="0" i="0" u="none" strike="noStrike" cap="none" spc="0" normalizeH="0" baseline="0">
             <a:ln>
               <a:noFill/>
             </a:ln>
@@ -4648,7 +4632,7 @@
           <a:buFontTx/>
           <a:buNone/>
           <a:tabLst/>
-          <a:defRPr b="0" baseline="0" cap="none" i="0" spc="0" strike="noStrike" sz="1800" u="none" kumimoji="0" normalizeH="0">
+          <a:defRPr kumimoji="0" sz="1800" b="0" i="0" u="none" strike="noStrike" cap="none" spc="0" normalizeH="0" baseline="0">
             <a:ln>
               <a:noFill/>
             </a:ln>
@@ -4674,7 +4658,7 @@
           <a:buFontTx/>
           <a:buNone/>
           <a:tabLst/>
-          <a:defRPr b="0" baseline="0" cap="none" i="0" spc="0" strike="noStrike" sz="1800" u="none" kumimoji="0" normalizeH="0">
+          <a:defRPr kumimoji="0" sz="1800" b="0" i="0" u="none" strike="noStrike" cap="none" spc="0" normalizeH="0" baseline="0">
             <a:ln>
               <a:noFill/>
             </a:ln>
@@ -4687,9 +4671,15 @@
         </a:lvl9pPr>
       </a:lstStyle>
       <a:style>
-        <a:lnRef idx="0"/>
-        <a:fillRef idx="0"/>
-        <a:effectRef idx="0"/>
+        <a:lnRef idx="0">
+          <a:scrgbClr r="0" g="0" b="0"/>
+        </a:lnRef>
+        <a:fillRef idx="0">
+          <a:scrgbClr r="0" g="0" b="0"/>
+        </a:fillRef>
+        <a:effectRef idx="0">
+          <a:scrgbClr r="0" g="0" b="0"/>
+        </a:effectRef>
         <a:fontRef idx="none"/>
       </a:style>
     </a:spDef>
@@ -4706,7 +4696,7 @@
         <a:effectLst/>
         <a:sp3d/>
       </a:spPr>
-      <a:bodyPr rot="0" spcFirstLastPara="1" vertOverflow="overflow" horzOverflow="overflow" vert="horz" wrap="square" lIns="91439" tIns="45719" rIns="91439" bIns="45719" numCol="1" spcCol="38100" rtlCol="0" anchor="t" upright="0">
+      <a:bodyPr rot="0" spcFirstLastPara="1" vertOverflow="overflow" horzOverflow="overflow" vert="horz" wrap="square" lIns="91439" tIns="45719" rIns="91439" bIns="45719" numCol="1" spcCol="38100" rtlCol="0" anchor="t">
         <a:noAutofit/>
       </a:bodyPr>
       <a:lstStyle>
@@ -4725,7 +4715,7 @@
           <a:buFontTx/>
           <a:buNone/>
           <a:tabLst/>
-          <a:defRPr b="0" baseline="0" cap="none" i="0" spc="0" strike="noStrike" sz="1800" u="none" kumimoji="0" normalizeH="0">
+          <a:defRPr kumimoji="0" sz="1800" b="0" i="0" u="none" strike="noStrike" cap="none" spc="0" normalizeH="0" baseline="0">
             <a:ln>
               <a:noFill/>
             </a:ln>
@@ -4751,7 +4741,7 @@
           <a:buFontTx/>
           <a:buNone/>
           <a:tabLst/>
-          <a:defRPr b="0" baseline="0" cap="none" i="0" spc="0" strike="noStrike" sz="1800" u="none" kumimoji="0" normalizeH="0">
+          <a:defRPr kumimoji="0" sz="1800" b="0" i="0" u="none" strike="noStrike" cap="none" spc="0" normalizeH="0" baseline="0">
             <a:ln>
               <a:noFill/>
             </a:ln>
@@ -4777,7 +4767,7 @@
           <a:buFontTx/>
           <a:buNone/>
           <a:tabLst/>
-          <a:defRPr b="0" baseline="0" cap="none" i="0" spc="0" strike="noStrike" sz="1800" u="none" kumimoji="0" normalizeH="0">
+          <a:defRPr kumimoji="0" sz="1800" b="0" i="0" u="none" strike="noStrike" cap="none" spc="0" normalizeH="0" baseline="0">
             <a:ln>
               <a:noFill/>
             </a:ln>
@@ -4803,7 +4793,7 @@
           <a:buFontTx/>
           <a:buNone/>
           <a:tabLst/>
-          <a:defRPr b="0" baseline="0" cap="none" i="0" spc="0" strike="noStrike" sz="1800" u="none" kumimoji="0" normalizeH="0">
+          <a:defRPr kumimoji="0" sz="1800" b="0" i="0" u="none" strike="noStrike" cap="none" spc="0" normalizeH="0" baseline="0">
             <a:ln>
               <a:noFill/>
             </a:ln>
@@ -4829,7 +4819,7 @@
           <a:buFontTx/>
           <a:buNone/>
           <a:tabLst/>
-          <a:defRPr b="0" baseline="0" cap="none" i="0" spc="0" strike="noStrike" sz="1800" u="none" kumimoji="0" normalizeH="0">
+          <a:defRPr kumimoji="0" sz="1800" b="0" i="0" u="none" strike="noStrike" cap="none" spc="0" normalizeH="0" baseline="0">
             <a:ln>
               <a:noFill/>
             </a:ln>
@@ -4855,7 +4845,7 @@
           <a:buFontTx/>
           <a:buNone/>
           <a:tabLst/>
-          <a:defRPr b="0" baseline="0" cap="none" i="0" spc="0" strike="noStrike" sz="1800" u="none" kumimoji="0" normalizeH="0">
+          <a:defRPr kumimoji="0" sz="1800" b="0" i="0" u="none" strike="noStrike" cap="none" spc="0" normalizeH="0" baseline="0">
             <a:ln>
               <a:noFill/>
             </a:ln>
@@ -4881,7 +4871,7 @@
           <a:buFontTx/>
           <a:buNone/>
           <a:tabLst/>
-          <a:defRPr b="0" baseline="0" cap="none" i="0" spc="0" strike="noStrike" sz="1800" u="none" kumimoji="0" normalizeH="0">
+          <a:defRPr kumimoji="0" sz="1800" b="0" i="0" u="none" strike="noStrike" cap="none" spc="0" normalizeH="0" baseline="0">
             <a:ln>
               <a:noFill/>
             </a:ln>
@@ -4907,7 +4897,7 @@
           <a:buFontTx/>
           <a:buNone/>
           <a:tabLst/>
-          <a:defRPr b="0" baseline="0" cap="none" i="0" spc="0" strike="noStrike" sz="1800" u="none" kumimoji="0" normalizeH="0">
+          <a:defRPr kumimoji="0" sz="1800" b="0" i="0" u="none" strike="noStrike" cap="none" spc="0" normalizeH="0" baseline="0">
             <a:ln>
               <a:noFill/>
             </a:ln>
@@ -4933,7 +4923,7 @@
           <a:buFontTx/>
           <a:buNone/>
           <a:tabLst/>
-          <a:defRPr b="0" baseline="0" cap="none" i="0" spc="0" strike="noStrike" sz="1800" u="none" kumimoji="0" normalizeH="0">
+          <a:defRPr kumimoji="0" sz="1800" b="0" i="0" u="none" strike="noStrike" cap="none" spc="0" normalizeH="0" baseline="0">
             <a:ln>
               <a:noFill/>
             </a:ln>
@@ -4959,7 +4949,7 @@
           <a:buFontTx/>
           <a:buNone/>
           <a:tabLst/>
-          <a:defRPr b="0" baseline="0" cap="none" i="0" spc="0" strike="noStrike" sz="1800" u="none" kumimoji="0" normalizeH="0">
+          <a:defRPr kumimoji="0" sz="1800" b="0" i="0" u="none" strike="noStrike" cap="none" spc="0" normalizeH="0" baseline="0">
             <a:ln>
               <a:noFill/>
             </a:ln>
@@ -4972,9 +4962,15 @@
         </a:lvl9pPr>
       </a:lstStyle>
       <a:style>
-        <a:lnRef idx="0"/>
-        <a:fillRef idx="0"/>
-        <a:effectRef idx="0"/>
+        <a:lnRef idx="0">
+          <a:scrgbClr r="0" g="0" b="0"/>
+        </a:lnRef>
+        <a:fillRef idx="0">
+          <a:scrgbClr r="0" g="0" b="0"/>
+        </a:fillRef>
+        <a:effectRef idx="0">
+          <a:scrgbClr r="0" g="0" b="0"/>
+        </a:effectRef>
         <a:fontRef idx="none"/>
       </a:style>
     </a:lnDef>
@@ -4988,7 +4984,7 @@
         <a:effectLst/>
         <a:sp3d/>
       </a:spPr>
-      <a:bodyPr rot="0" spcFirstLastPara="1" vertOverflow="overflow" horzOverflow="overflow" vert="horz" wrap="square" lIns="50800" tIns="50800" rIns="50800" bIns="50800" numCol="1" spcCol="38100" rtlCol="0" anchor="ctr" upright="0">
+      <a:bodyPr rot="0" spcFirstLastPara="1" vertOverflow="overflow" horzOverflow="overflow" vert="horz" wrap="square" lIns="50800" tIns="50800" rIns="50800" bIns="50800" numCol="1" spcCol="38100" rtlCol="0" anchor="ctr">
         <a:spAutoFit/>
       </a:bodyPr>
       <a:lstStyle>
@@ -5007,7 +5003,7 @@
           <a:buFontTx/>
           <a:buNone/>
           <a:tabLst/>
-          <a:defRPr b="0" baseline="0" cap="none" i="0" spc="0" strike="noStrike" sz="3600" u="none" kumimoji="0" normalizeH="0">
+          <a:defRPr kumimoji="0" sz="3600" b="0" i="0" u="none" strike="noStrike" cap="none" spc="0" normalizeH="0" baseline="0">
             <a:ln>
               <a:noFill/>
             </a:ln>
@@ -5037,7 +5033,7 @@
           <a:buFontTx/>
           <a:buNone/>
           <a:tabLst/>
-          <a:defRPr b="0" baseline="0" cap="none" i="0" spc="0" strike="noStrike" sz="1800" u="none" kumimoji="0" normalizeH="0">
+          <a:defRPr kumimoji="0" sz="1800" b="0" i="0" u="none" strike="noStrike" cap="none" spc="0" normalizeH="0" baseline="0">
             <a:ln>
               <a:noFill/>
             </a:ln>
@@ -5063,7 +5059,7 @@
           <a:buFontTx/>
           <a:buNone/>
           <a:tabLst/>
-          <a:defRPr b="0" baseline="0" cap="none" i="0" spc="0" strike="noStrike" sz="1800" u="none" kumimoji="0" normalizeH="0">
+          <a:defRPr kumimoji="0" sz="1800" b="0" i="0" u="none" strike="noStrike" cap="none" spc="0" normalizeH="0" baseline="0">
             <a:ln>
               <a:noFill/>
             </a:ln>
@@ -5089,7 +5085,7 @@
           <a:buFontTx/>
           <a:buNone/>
           <a:tabLst/>
-          <a:defRPr b="0" baseline="0" cap="none" i="0" spc="0" strike="noStrike" sz="1800" u="none" kumimoji="0" normalizeH="0">
+          <a:defRPr kumimoji="0" sz="1800" b="0" i="0" u="none" strike="noStrike" cap="none" spc="0" normalizeH="0" baseline="0">
             <a:ln>
               <a:noFill/>
             </a:ln>
@@ -5115,7 +5111,7 @@
           <a:buFontTx/>
           <a:buNone/>
           <a:tabLst/>
-          <a:defRPr b="0" baseline="0" cap="none" i="0" spc="0" strike="noStrike" sz="1800" u="none" kumimoji="0" normalizeH="0">
+          <a:defRPr kumimoji="0" sz="1800" b="0" i="0" u="none" strike="noStrike" cap="none" spc="0" normalizeH="0" baseline="0">
             <a:ln>
               <a:noFill/>
             </a:ln>
@@ -5141,7 +5137,7 @@
           <a:buFontTx/>
           <a:buNone/>
           <a:tabLst/>
-          <a:defRPr b="0" baseline="0" cap="none" i="0" spc="0" strike="noStrike" sz="1800" u="none" kumimoji="0" normalizeH="0">
+          <a:defRPr kumimoji="0" sz="1800" b="0" i="0" u="none" strike="noStrike" cap="none" spc="0" normalizeH="0" baseline="0">
             <a:ln>
               <a:noFill/>
             </a:ln>
@@ -5167,7 +5163,7 @@
           <a:buFontTx/>
           <a:buNone/>
           <a:tabLst/>
-          <a:defRPr b="0" baseline="0" cap="none" i="0" spc="0" strike="noStrike" sz="1800" u="none" kumimoji="0" normalizeH="0">
+          <a:defRPr kumimoji="0" sz="1800" b="0" i="0" u="none" strike="noStrike" cap="none" spc="0" normalizeH="0" baseline="0">
             <a:ln>
               <a:noFill/>
             </a:ln>
@@ -5193,7 +5189,7 @@
           <a:buFontTx/>
           <a:buNone/>
           <a:tabLst/>
-          <a:defRPr b="0" baseline="0" cap="none" i="0" spc="0" strike="noStrike" sz="1800" u="none" kumimoji="0" normalizeH="0">
+          <a:defRPr kumimoji="0" sz="1800" b="0" i="0" u="none" strike="noStrike" cap="none" spc="0" normalizeH="0" baseline="0">
             <a:ln>
               <a:noFill/>
             </a:ln>
@@ -5219,7 +5215,7 @@
           <a:buFontTx/>
           <a:buNone/>
           <a:tabLst/>
-          <a:defRPr b="0" baseline="0" cap="none" i="0" spc="0" strike="noStrike" sz="1800" u="none" kumimoji="0" normalizeH="0">
+          <a:defRPr kumimoji="0" sz="1800" b="0" i="0" u="none" strike="noStrike" cap="none" spc="0" normalizeH="0" baseline="0">
             <a:ln>
               <a:noFill/>
             </a:ln>
@@ -5245,7 +5241,7 @@
           <a:buFontTx/>
           <a:buNone/>
           <a:tabLst/>
-          <a:defRPr b="0" baseline="0" cap="none" i="0" spc="0" strike="noStrike" sz="1800" u="none" kumimoji="0" normalizeH="0">
+          <a:defRPr kumimoji="0" sz="1800" b="0" i="0" u="none" strike="noStrike" cap="none" spc="0" normalizeH="0" baseline="0">
             <a:ln>
               <a:noFill/>
             </a:ln>
@@ -5258,18 +5254,25 @@
         </a:lvl9pPr>
       </a:lstStyle>
       <a:style>
-        <a:lnRef idx="0"/>
-        <a:fillRef idx="0"/>
-        <a:effectRef idx="0"/>
+        <a:lnRef idx="0">
+          <a:scrgbClr r="0" g="0" b="0"/>
+        </a:lnRef>
+        <a:fillRef idx="0">
+          <a:scrgbClr r="0" g="0" b="0"/>
+        </a:fillRef>
+        <a:effectRef idx="0">
+          <a:scrgbClr r="0" g="0" b="0"/>
+        </a:effectRef>
         <a:fontRef idx="none"/>
       </a:style>
     </a:txDef>
   </a:objectDefaults>
+  <a:extraClrSchemeLst/>
 </a:theme>
 </file>
 
 <file path=ppt/theme/theme2.xml><?xml version="1.0" encoding="utf-8"?>
-<a:theme xmlns:a="http://schemas.openxmlformats.org/drawingml/2006/main" xmlns:r="http://schemas.openxmlformats.org/officeDocument/2006/relationships" name="White">
+<a:theme xmlns:a="http://schemas.openxmlformats.org/drawingml/2006/main" name="White">
   <a:themeElements>
     <a:clrScheme name="White">
       <a:dk1>
@@ -5395,7 +5398,7 @@
       <a:effectStyleLst>
         <a:effectStyle>
           <a:effectLst>
-            <a:outerShdw sx="100000" sy="100000" kx="0" ky="0" algn="b" rotWithShape="0" blurRad="38100" dist="25400" dir="5400000">
+            <a:outerShdw blurRad="38100" dist="25400" dir="5400000" rotWithShape="0">
               <a:srgbClr val="000000">
                 <a:alpha val="50000"/>
               </a:srgbClr>
@@ -5404,7 +5407,7 @@
         </a:effectStyle>
         <a:effectStyle>
           <a:effectLst>
-            <a:outerShdw sx="100000" sy="100000" kx="0" ky="0" algn="b" rotWithShape="0" blurRad="50800" dist="12700" dir="0">
+            <a:outerShdw blurRad="50800" dist="12700" rotWithShape="0">
               <a:srgbClr val="000000">
                 <a:alpha val="50000"/>
               </a:srgbClr>
@@ -5413,7 +5416,7 @@
         </a:effectStyle>
         <a:effectStyle>
           <a:effectLst>
-            <a:outerShdw sx="100000" sy="100000" kx="0" ky="0" algn="b" rotWithShape="0" blurRad="38100" dist="25400" dir="5400000">
+            <a:outerShdw blurRad="38100" dist="25400" dir="5400000" rotWithShape="0">
               <a:srgbClr val="000000">
                 <a:alpha val="50000"/>
               </a:srgbClr>
@@ -5477,8 +5480,8 @@
     <a:spDef>
       <a:spPr>
         <a:blipFill rotWithShape="1">
-          <a:blip r:embed="rId1"/>
-          <a:srcRect l="0" t="0" r="0" b="0"/>
+          <a:blip xmlns:r="http://schemas.openxmlformats.org/officeDocument/2006/relationships" r:embed="rId1"/>
+          <a:srcRect/>
           <a:tile tx="0" ty="0" sx="100000" sy="100000" flip="none" algn="tl"/>
         </a:blipFill>
         <a:ln w="12700" cap="flat">
@@ -5486,7 +5489,7 @@
           <a:miter lim="400000"/>
         </a:ln>
         <a:effectLst>
-          <a:outerShdw sx="100000" sy="100000" kx="0" ky="0" algn="b" rotWithShape="0" blurRad="38100" dist="25400" dir="5400000">
+          <a:outerShdw blurRad="38100" dist="25400" dir="5400000" rotWithShape="0">
             <a:srgbClr val="000000">
               <a:alpha val="50000"/>
             </a:srgbClr>
@@ -5494,7 +5497,7 @@
         </a:effectLst>
         <a:sp3d/>
       </a:spPr>
-      <a:bodyPr rot="0" spcFirstLastPara="1" vertOverflow="overflow" horzOverflow="overflow" vert="horz" wrap="square" lIns="50800" tIns="50800" rIns="50800" bIns="50800" numCol="1" spcCol="38100" rtlCol="0" anchor="ctr" upright="0">
+      <a:bodyPr rot="0" spcFirstLastPara="1" vertOverflow="overflow" horzOverflow="overflow" vert="horz" wrap="square" lIns="50800" tIns="50800" rIns="50800" bIns="50800" numCol="1" spcCol="38100" rtlCol="0" anchor="ctr">
         <a:spAutoFit/>
       </a:bodyPr>
       <a:lstStyle>
@@ -5513,7 +5516,7 @@
           <a:buFontTx/>
           <a:buNone/>
           <a:tabLst/>
-          <a:defRPr b="0" baseline="0" cap="none" i="0" spc="0" strike="noStrike" sz="2400" u="none" kumimoji="0" normalizeH="0">
+          <a:defRPr kumimoji="0" sz="2400" b="0" i="0" u="none" strike="noStrike" cap="none" spc="0" normalizeH="0" baseline="0">
             <a:ln>
               <a:noFill/>
             </a:ln>
@@ -5543,7 +5546,7 @@
           <a:buFontTx/>
           <a:buNone/>
           <a:tabLst/>
-          <a:defRPr b="0" baseline="0" cap="none" i="0" spc="0" strike="noStrike" sz="1800" u="none" kumimoji="0" normalizeH="0">
+          <a:defRPr kumimoji="0" sz="1800" b="0" i="0" u="none" strike="noStrike" cap="none" spc="0" normalizeH="0" baseline="0">
             <a:ln>
               <a:noFill/>
             </a:ln>
@@ -5569,7 +5572,7 @@
           <a:buFontTx/>
           <a:buNone/>
           <a:tabLst/>
-          <a:defRPr b="0" baseline="0" cap="none" i="0" spc="0" strike="noStrike" sz="1800" u="none" kumimoji="0" normalizeH="0">
+          <a:defRPr kumimoji="0" sz="1800" b="0" i="0" u="none" strike="noStrike" cap="none" spc="0" normalizeH="0" baseline="0">
             <a:ln>
               <a:noFill/>
             </a:ln>
@@ -5595,7 +5598,7 @@
           <a:buFontTx/>
           <a:buNone/>
           <a:tabLst/>
-          <a:defRPr b="0" baseline="0" cap="none" i="0" spc="0" strike="noStrike" sz="1800" u="none" kumimoji="0" normalizeH="0">
+          <a:defRPr kumimoji="0" sz="1800" b="0" i="0" u="none" strike="noStrike" cap="none" spc="0" normalizeH="0" baseline="0">
             <a:ln>
               <a:noFill/>
             </a:ln>
@@ -5621,7 +5624,7 @@
           <a:buFontTx/>
           <a:buNone/>
           <a:tabLst/>
-          <a:defRPr b="0" baseline="0" cap="none" i="0" spc="0" strike="noStrike" sz="1800" u="none" kumimoji="0" normalizeH="0">
+          <a:defRPr kumimoji="0" sz="1800" b="0" i="0" u="none" strike="noStrike" cap="none" spc="0" normalizeH="0" baseline="0">
             <a:ln>
               <a:noFill/>
             </a:ln>
@@ -5647,7 +5650,7 @@
           <a:buFontTx/>
           <a:buNone/>
           <a:tabLst/>
-          <a:defRPr b="0" baseline="0" cap="none" i="0" spc="0" strike="noStrike" sz="1800" u="none" kumimoji="0" normalizeH="0">
+          <a:defRPr kumimoji="0" sz="1800" b="0" i="0" u="none" strike="noStrike" cap="none" spc="0" normalizeH="0" baseline="0">
             <a:ln>
               <a:noFill/>
             </a:ln>
@@ -5673,7 +5676,7 @@
           <a:buFontTx/>
           <a:buNone/>
           <a:tabLst/>
-          <a:defRPr b="0" baseline="0" cap="none" i="0" spc="0" strike="noStrike" sz="1800" u="none" kumimoji="0" normalizeH="0">
+          <a:defRPr kumimoji="0" sz="1800" b="0" i="0" u="none" strike="noStrike" cap="none" spc="0" normalizeH="0" baseline="0">
             <a:ln>
               <a:noFill/>
             </a:ln>
@@ -5699,7 +5702,7 @@
           <a:buFontTx/>
           <a:buNone/>
           <a:tabLst/>
-          <a:defRPr b="0" baseline="0" cap="none" i="0" spc="0" strike="noStrike" sz="1800" u="none" kumimoji="0" normalizeH="0">
+          <a:defRPr kumimoji="0" sz="1800" b="0" i="0" u="none" strike="noStrike" cap="none" spc="0" normalizeH="0" baseline="0">
             <a:ln>
               <a:noFill/>
             </a:ln>
@@ -5725,7 +5728,7 @@
           <a:buFontTx/>
           <a:buNone/>
           <a:tabLst/>
-          <a:defRPr b="0" baseline="0" cap="none" i="0" spc="0" strike="noStrike" sz="1800" u="none" kumimoji="0" normalizeH="0">
+          <a:defRPr kumimoji="0" sz="1800" b="0" i="0" u="none" strike="noStrike" cap="none" spc="0" normalizeH="0" baseline="0">
             <a:ln>
               <a:noFill/>
             </a:ln>
@@ -5751,7 +5754,7 @@
           <a:buFontTx/>
           <a:buNone/>
           <a:tabLst/>
-          <a:defRPr b="0" baseline="0" cap="none" i="0" spc="0" strike="noStrike" sz="1800" u="none" kumimoji="0" normalizeH="0">
+          <a:defRPr kumimoji="0" sz="1800" b="0" i="0" u="none" strike="noStrike" cap="none" spc="0" normalizeH="0" baseline="0">
             <a:ln>
               <a:noFill/>
             </a:ln>
@@ -5764,9 +5767,15 @@
         </a:lvl9pPr>
       </a:lstStyle>
       <a:style>
-        <a:lnRef idx="0"/>
-        <a:fillRef idx="0"/>
-        <a:effectRef idx="0"/>
+        <a:lnRef idx="0">
+          <a:scrgbClr r="0" g="0" b="0"/>
+        </a:lnRef>
+        <a:fillRef idx="0">
+          <a:scrgbClr r="0" g="0" b="0"/>
+        </a:fillRef>
+        <a:effectRef idx="0">
+          <a:scrgbClr r="0" g="0" b="0"/>
+        </a:effectRef>
         <a:fontRef idx="none"/>
       </a:style>
     </a:spDef>
@@ -5783,7 +5792,7 @@
         <a:effectLst/>
         <a:sp3d/>
       </a:spPr>
-      <a:bodyPr rot="0" spcFirstLastPara="1" vertOverflow="overflow" horzOverflow="overflow" vert="horz" wrap="square" lIns="91439" tIns="45719" rIns="91439" bIns="45719" numCol="1" spcCol="38100" rtlCol="0" anchor="t" upright="0">
+      <a:bodyPr rot="0" spcFirstLastPara="1" vertOverflow="overflow" horzOverflow="overflow" vert="horz" wrap="square" lIns="91439" tIns="45719" rIns="91439" bIns="45719" numCol="1" spcCol="38100" rtlCol="0" anchor="t">
         <a:noAutofit/>
       </a:bodyPr>
       <a:lstStyle>
@@ -5802,7 +5811,7 @@
           <a:buFontTx/>
           <a:buNone/>
           <a:tabLst/>
-          <a:defRPr b="0" baseline="0" cap="none" i="0" spc="0" strike="noStrike" sz="1800" u="none" kumimoji="0" normalizeH="0">
+          <a:defRPr kumimoji="0" sz="1800" b="0" i="0" u="none" strike="noStrike" cap="none" spc="0" normalizeH="0" baseline="0">
             <a:ln>
               <a:noFill/>
             </a:ln>
@@ -5828,7 +5837,7 @@
           <a:buFontTx/>
           <a:buNone/>
           <a:tabLst/>
-          <a:defRPr b="0" baseline="0" cap="none" i="0" spc="0" strike="noStrike" sz="1800" u="none" kumimoji="0" normalizeH="0">
+          <a:defRPr kumimoji="0" sz="1800" b="0" i="0" u="none" strike="noStrike" cap="none" spc="0" normalizeH="0" baseline="0">
             <a:ln>
               <a:noFill/>
             </a:ln>
@@ -5854,7 +5863,7 @@
           <a:buFontTx/>
           <a:buNone/>
           <a:tabLst/>
-          <a:defRPr b="0" baseline="0" cap="none" i="0" spc="0" strike="noStrike" sz="1800" u="none" kumimoji="0" normalizeH="0">
+          <a:defRPr kumimoji="0" sz="1800" b="0" i="0" u="none" strike="noStrike" cap="none" spc="0" normalizeH="0" baseline="0">
             <a:ln>
               <a:noFill/>
             </a:ln>
@@ -5880,7 +5889,7 @@
           <a:buFontTx/>
           <a:buNone/>
           <a:tabLst/>
-          <a:defRPr b="0" baseline="0" cap="none" i="0" spc="0" strike="noStrike" sz="1800" u="none" kumimoji="0" normalizeH="0">
+          <a:defRPr kumimoji="0" sz="1800" b="0" i="0" u="none" strike="noStrike" cap="none" spc="0" normalizeH="0" baseline="0">
             <a:ln>
               <a:noFill/>
             </a:ln>
@@ -5906,7 +5915,7 @@
           <a:buFontTx/>
           <a:buNone/>
           <a:tabLst/>
-          <a:defRPr b="0" baseline="0" cap="none" i="0" spc="0" strike="noStrike" sz="1800" u="none" kumimoji="0" normalizeH="0">
+          <a:defRPr kumimoji="0" sz="1800" b="0" i="0" u="none" strike="noStrike" cap="none" spc="0" normalizeH="0" baseline="0">
             <a:ln>
               <a:noFill/>
             </a:ln>
@@ -5932,7 +5941,7 @@
           <a:buFontTx/>
           <a:buNone/>
           <a:tabLst/>
-          <a:defRPr b="0" baseline="0" cap="none" i="0" spc="0" strike="noStrike" sz="1800" u="none" kumimoji="0" normalizeH="0">
+          <a:defRPr kumimoji="0" sz="1800" b="0" i="0" u="none" strike="noStrike" cap="none" spc="0" normalizeH="0" baseline="0">
             <a:ln>
               <a:noFill/>
             </a:ln>
@@ -5958,7 +5967,7 @@
           <a:buFontTx/>
           <a:buNone/>
           <a:tabLst/>
-          <a:defRPr b="0" baseline="0" cap="none" i="0" spc="0" strike="noStrike" sz="1800" u="none" kumimoji="0" normalizeH="0">
+          <a:defRPr kumimoji="0" sz="1800" b="0" i="0" u="none" strike="noStrike" cap="none" spc="0" normalizeH="0" baseline="0">
             <a:ln>
               <a:noFill/>
             </a:ln>
@@ -5984,7 +5993,7 @@
           <a:buFontTx/>
           <a:buNone/>
           <a:tabLst/>
-          <a:defRPr b="0" baseline="0" cap="none" i="0" spc="0" strike="noStrike" sz="1800" u="none" kumimoji="0" normalizeH="0">
+          <a:defRPr kumimoji="0" sz="1800" b="0" i="0" u="none" strike="noStrike" cap="none" spc="0" normalizeH="0" baseline="0">
             <a:ln>
               <a:noFill/>
             </a:ln>
@@ -6010,7 +6019,7 @@
           <a:buFontTx/>
           <a:buNone/>
           <a:tabLst/>
-          <a:defRPr b="0" baseline="0" cap="none" i="0" spc="0" strike="noStrike" sz="1800" u="none" kumimoji="0" normalizeH="0">
+          <a:defRPr kumimoji="0" sz="1800" b="0" i="0" u="none" strike="noStrike" cap="none" spc="0" normalizeH="0" baseline="0">
             <a:ln>
               <a:noFill/>
             </a:ln>
@@ -6036,7 +6045,7 @@
           <a:buFontTx/>
           <a:buNone/>
           <a:tabLst/>
-          <a:defRPr b="0" baseline="0" cap="none" i="0" spc="0" strike="noStrike" sz="1800" u="none" kumimoji="0" normalizeH="0">
+          <a:defRPr kumimoji="0" sz="1800" b="0" i="0" u="none" strike="noStrike" cap="none" spc="0" normalizeH="0" baseline="0">
             <a:ln>
               <a:noFill/>
             </a:ln>
@@ -6049,9 +6058,15 @@
         </a:lvl9pPr>
       </a:lstStyle>
       <a:style>
-        <a:lnRef idx="0"/>
-        <a:fillRef idx="0"/>
-        <a:effectRef idx="0"/>
+        <a:lnRef idx="0">
+          <a:scrgbClr r="0" g="0" b="0"/>
+        </a:lnRef>
+        <a:fillRef idx="0">
+          <a:scrgbClr r="0" g="0" b="0"/>
+        </a:fillRef>
+        <a:effectRef idx="0">
+          <a:scrgbClr r="0" g="0" b="0"/>
+        </a:effectRef>
         <a:fontRef idx="none"/>
       </a:style>
     </a:lnDef>
@@ -6065,7 +6080,7 @@
         <a:effectLst/>
         <a:sp3d/>
       </a:spPr>
-      <a:bodyPr rot="0" spcFirstLastPara="1" vertOverflow="overflow" horzOverflow="overflow" vert="horz" wrap="square" lIns="50800" tIns="50800" rIns="50800" bIns="50800" numCol="1" spcCol="38100" rtlCol="0" anchor="ctr" upright="0">
+      <a:bodyPr rot="0" spcFirstLastPara="1" vertOverflow="overflow" horzOverflow="overflow" vert="horz" wrap="square" lIns="50800" tIns="50800" rIns="50800" bIns="50800" numCol="1" spcCol="38100" rtlCol="0" anchor="ctr">
         <a:spAutoFit/>
       </a:bodyPr>
       <a:lstStyle>
@@ -6084,7 +6099,7 @@
           <a:buFontTx/>
           <a:buNone/>
           <a:tabLst/>
-          <a:defRPr b="0" baseline="0" cap="none" i="0" spc="0" strike="noStrike" sz="3600" u="none" kumimoji="0" normalizeH="0">
+          <a:defRPr kumimoji="0" sz="3600" b="0" i="0" u="none" strike="noStrike" cap="none" spc="0" normalizeH="0" baseline="0">
             <a:ln>
               <a:noFill/>
             </a:ln>
@@ -6114,7 +6129,7 @@
           <a:buFontTx/>
           <a:buNone/>
           <a:tabLst/>
-          <a:defRPr b="0" baseline="0" cap="none" i="0" spc="0" strike="noStrike" sz="1800" u="none" kumimoji="0" normalizeH="0">
+          <a:defRPr kumimoji="0" sz="1800" b="0" i="0" u="none" strike="noStrike" cap="none" spc="0" normalizeH="0" baseline="0">
             <a:ln>
               <a:noFill/>
             </a:ln>
@@ -6140,7 +6155,7 @@
           <a:buFontTx/>
           <a:buNone/>
           <a:tabLst/>
-          <a:defRPr b="0" baseline="0" cap="none" i="0" spc="0" strike="noStrike" sz="1800" u="none" kumimoji="0" normalizeH="0">
+          <a:defRPr kumimoji="0" sz="1800" b="0" i="0" u="none" strike="noStrike" cap="none" spc="0" normalizeH="0" baseline="0">
             <a:ln>
               <a:noFill/>
             </a:ln>
@@ -6166,7 +6181,7 @@
           <a:buFontTx/>
           <a:buNone/>
           <a:tabLst/>
-          <a:defRPr b="0" baseline="0" cap="none" i="0" spc="0" strike="noStrike" sz="1800" u="none" kumimoji="0" normalizeH="0">
+          <a:defRPr kumimoji="0" sz="1800" b="0" i="0" u="none" strike="noStrike" cap="none" spc="0" normalizeH="0" baseline="0">
             <a:ln>
               <a:noFill/>
             </a:ln>
@@ -6192,7 +6207,7 @@
           <a:buFontTx/>
           <a:buNone/>
           <a:tabLst/>
-          <a:defRPr b="0" baseline="0" cap="none" i="0" spc="0" strike="noStrike" sz="1800" u="none" kumimoji="0" normalizeH="0">
+          <a:defRPr kumimoji="0" sz="1800" b="0" i="0" u="none" strike="noStrike" cap="none" spc="0" normalizeH="0" baseline="0">
             <a:ln>
               <a:noFill/>
             </a:ln>
@@ -6218,7 +6233,7 @@
           <a:buFontTx/>
           <a:buNone/>
           <a:tabLst/>
-          <a:defRPr b="0" baseline="0" cap="none" i="0" spc="0" strike="noStrike" sz="1800" u="none" kumimoji="0" normalizeH="0">
+          <a:defRPr kumimoji="0" sz="1800" b="0" i="0" u="none" strike="noStrike" cap="none" spc="0" normalizeH="0" baseline="0">
             <a:ln>
               <a:noFill/>
             </a:ln>
@@ -6244,7 +6259,7 @@
           <a:buFontTx/>
           <a:buNone/>
           <a:tabLst/>
-          <a:defRPr b="0" baseline="0" cap="none" i="0" spc="0" strike="noStrike" sz="1800" u="none" kumimoji="0" normalizeH="0">
+          <a:defRPr kumimoji="0" sz="1800" b="0" i="0" u="none" strike="noStrike" cap="none" spc="0" normalizeH="0" baseline="0">
             <a:ln>
               <a:noFill/>
             </a:ln>
@@ -6270,7 +6285,7 @@
           <a:buFontTx/>
           <a:buNone/>
           <a:tabLst/>
-          <a:defRPr b="0" baseline="0" cap="none" i="0" spc="0" strike="noStrike" sz="1800" u="none" kumimoji="0" normalizeH="0">
+          <a:defRPr kumimoji="0" sz="1800" b="0" i="0" u="none" strike="noStrike" cap="none" spc="0" normalizeH="0" baseline="0">
             <a:ln>
               <a:noFill/>
             </a:ln>
@@ -6296,7 +6311,7 @@
           <a:buFontTx/>
           <a:buNone/>
           <a:tabLst/>
-          <a:defRPr b="0" baseline="0" cap="none" i="0" spc="0" strike="noStrike" sz="1800" u="none" kumimoji="0" normalizeH="0">
+          <a:defRPr kumimoji="0" sz="1800" b="0" i="0" u="none" strike="noStrike" cap="none" spc="0" normalizeH="0" baseline="0">
             <a:ln>
               <a:noFill/>
             </a:ln>
@@ -6322,7 +6337,7 @@
           <a:buFontTx/>
           <a:buNone/>
           <a:tabLst/>
-          <a:defRPr b="0" baseline="0" cap="none" i="0" spc="0" strike="noStrike" sz="1800" u="none" kumimoji="0" normalizeH="0">
+          <a:defRPr kumimoji="0" sz="1800" b="0" i="0" u="none" strike="noStrike" cap="none" spc="0" normalizeH="0" baseline="0">
             <a:ln>
               <a:noFill/>
             </a:ln>
@@ -6335,12 +6350,19 @@
         </a:lvl9pPr>
       </a:lstStyle>
       <a:style>
-        <a:lnRef idx="0"/>
-        <a:fillRef idx="0"/>
-        <a:effectRef idx="0"/>
+        <a:lnRef idx="0">
+          <a:scrgbClr r="0" g="0" b="0"/>
+        </a:lnRef>
+        <a:fillRef idx="0">
+          <a:scrgbClr r="0" g="0" b="0"/>
+        </a:fillRef>
+        <a:effectRef idx="0">
+          <a:scrgbClr r="0" g="0" b="0"/>
+        </a:effectRef>
         <a:fontRef idx="none"/>
       </a:style>
     </a:txDef>
   </a:objectDefaults>
+  <a:extraClrSchemeLst/>
 </a:theme>
 </file>
--- a/slides/1_intro.pptx
+++ b/slides/1_intro.pptx
@@ -2136,7 +2136,7 @@
           </a:ln>
           <a:extLst>
             <a:ext uri="{C572A759-6A51-4108-AA02-DFA0A04FC94B}">
-              <ma14:wrappingTextBoxFlag xmlns:ma14="http://schemas.microsoft.com/office/mac/drawingml/2011/main" xmlns="" val="1"/>
+              <ma14:wrappingTextBoxFlag xmlns="" xmlns:ma14="http://schemas.microsoft.com/office/mac/drawingml/2011/main" val="1"/>
             </a:ext>
           </a:extLst>
         </p:spPr>
@@ -2175,7 +2175,7 @@
           </a:ln>
           <a:extLst>
             <a:ext uri="{C572A759-6A51-4108-AA02-DFA0A04FC94B}">
-              <ma14:wrappingTextBoxFlag xmlns:ma14="http://schemas.microsoft.com/office/mac/drawingml/2011/main" xmlns="" val="1"/>
+              <ma14:wrappingTextBoxFlag xmlns="" xmlns:ma14="http://schemas.microsoft.com/office/mac/drawingml/2011/main" val="1"/>
             </a:ext>
           </a:extLst>
         </p:spPr>
@@ -3226,7 +3226,7 @@
           </a:ln>
           <a:extLst>
             <a:ext uri="{C572A759-6A51-4108-AA02-DFA0A04FC94B}">
-              <ma14:wrappingTextBoxFlag xmlns:ma14="http://schemas.microsoft.com/office/mac/drawingml/2011/main" xmlns="" val="1"/>
+              <ma14:wrappingTextBoxFlag xmlns="" xmlns:ma14="http://schemas.microsoft.com/office/mac/drawingml/2011/main" val="1"/>
             </a:ext>
           </a:extLst>
         </p:spPr>
@@ -3558,7 +3558,7 @@
             </a:r>
             <a:r>
               <a:rPr lang="en-GB" dirty="0"/>
-              <a:t> 4/5 members</a:t>
+              <a:t> ~4 members</a:t>
             </a:r>
           </a:p>
         </p:txBody>
